--- a/assets/tactile_image_files/0081-Kentucky_geologic_cross-section_C-D/0081-Kentucky_geologic_cross-section_C-D.pptx
+++ b/assets/tactile_image_files/0081-Kentucky_geologic_cross-section_C-D/0081-Kentucky_geologic_cross-section_C-D.pptx
@@ -6,9 +6,9 @@
   </p:sldMasterIdLst>
   <p:sldIdLst>
     <p:sldId id="271" r:id="rId2"/>
-    <p:sldId id="265" r:id="rId3"/>
+    <p:sldId id="278" r:id="rId3"/>
     <p:sldId id="270" r:id="rId4"/>
-    <p:sldId id="264" r:id="rId5"/>
+    <p:sldId id="279" r:id="rId5"/>
     <p:sldId id="277" r:id="rId6"/>
   </p:sldIdLst>
   <p:sldSz cx="9144000" cy="6858000" type="screen4x3"/>
@@ -255,7 +255,7 @@
           <a:p>
             <a:fld id="{E796F801-3BB8-A247-923B-F07F1B58D38A}" type="datetimeFigureOut">
               <a:rPr lang="en-US" smtClean="0"/>
-              <a:t>7/24/20</a:t>
+              <a:t>1/9/21</a:t>
             </a:fld>
             <a:endParaRPr lang="en-US"/>
           </a:p>
@@ -435,7 +435,7 @@
           <a:p>
             <a:fld id="{E796F801-3BB8-A247-923B-F07F1B58D38A}" type="datetimeFigureOut">
               <a:rPr lang="en-US" smtClean="0"/>
-              <a:t>7/24/20</a:t>
+              <a:t>1/9/21</a:t>
             </a:fld>
             <a:endParaRPr lang="en-US"/>
           </a:p>
@@ -605,7 +605,7 @@
           <a:p>
             <a:fld id="{E796F801-3BB8-A247-923B-F07F1B58D38A}" type="datetimeFigureOut">
               <a:rPr lang="en-US" smtClean="0"/>
-              <a:t>7/24/20</a:t>
+              <a:t>1/9/21</a:t>
             </a:fld>
             <a:endParaRPr lang="en-US"/>
           </a:p>
@@ -849,7 +849,7 @@
           <a:p>
             <a:fld id="{E796F801-3BB8-A247-923B-F07F1B58D38A}" type="datetimeFigureOut">
               <a:rPr lang="en-US" smtClean="0"/>
-              <a:t>7/24/20</a:t>
+              <a:t>1/9/21</a:t>
             </a:fld>
             <a:endParaRPr lang="en-US"/>
           </a:p>
@@ -1081,7 +1081,7 @@
           <a:p>
             <a:fld id="{E796F801-3BB8-A247-923B-F07F1B58D38A}" type="datetimeFigureOut">
               <a:rPr lang="en-US" smtClean="0"/>
-              <a:t>7/24/20</a:t>
+              <a:t>1/9/21</a:t>
             </a:fld>
             <a:endParaRPr lang="en-US"/>
           </a:p>
@@ -1448,7 +1448,7 @@
           <a:p>
             <a:fld id="{E796F801-3BB8-A247-923B-F07F1B58D38A}" type="datetimeFigureOut">
               <a:rPr lang="en-US" smtClean="0"/>
-              <a:t>7/24/20</a:t>
+              <a:t>1/9/21</a:t>
             </a:fld>
             <a:endParaRPr lang="en-US"/>
           </a:p>
@@ -1566,7 +1566,7 @@
           <a:p>
             <a:fld id="{E796F801-3BB8-A247-923B-F07F1B58D38A}" type="datetimeFigureOut">
               <a:rPr lang="en-US" smtClean="0"/>
-              <a:t>7/24/20</a:t>
+              <a:t>1/9/21</a:t>
             </a:fld>
             <a:endParaRPr lang="en-US"/>
           </a:p>
@@ -1661,7 +1661,7 @@
           <a:p>
             <a:fld id="{E796F801-3BB8-A247-923B-F07F1B58D38A}" type="datetimeFigureOut">
               <a:rPr lang="en-US" smtClean="0"/>
-              <a:t>7/24/20</a:t>
+              <a:t>1/9/21</a:t>
             </a:fld>
             <a:endParaRPr lang="en-US"/>
           </a:p>
@@ -1938,7 +1938,7 @@
           <a:p>
             <a:fld id="{E796F801-3BB8-A247-923B-F07F1B58D38A}" type="datetimeFigureOut">
               <a:rPr lang="en-US" smtClean="0"/>
-              <a:t>7/24/20</a:t>
+              <a:t>1/9/21</a:t>
             </a:fld>
             <a:endParaRPr lang="en-US"/>
           </a:p>
@@ -2195,7 +2195,7 @@
           <a:p>
             <a:fld id="{E796F801-3BB8-A247-923B-F07F1B58D38A}" type="datetimeFigureOut">
               <a:rPr lang="en-US" smtClean="0"/>
-              <a:t>7/24/20</a:t>
+              <a:t>1/9/21</a:t>
             </a:fld>
             <a:endParaRPr lang="en-US"/>
           </a:p>
@@ -2408,7 +2408,7 @@
           <a:p>
             <a:fld id="{E796F801-3BB8-A247-923B-F07F1B58D38A}" type="datetimeFigureOut">
               <a:rPr lang="en-US" smtClean="0"/>
-              <a:t>7/24/20</a:t>
+              <a:t>1/9/21</a:t>
             </a:fld>
             <a:endParaRPr lang="en-US"/>
           </a:p>
@@ -2980,14 +2980,9 @@
               </a:path>
             </a:pathLst>
           </a:custGeom>
-          <a:pattFill prst="lgConfetti">
-            <a:fgClr>
-              <a:schemeClr val="tx1"/>
-            </a:fgClr>
-            <a:bgClr>
-              <a:schemeClr val="bg1"/>
-            </a:bgClr>
-          </a:pattFill>
+          <a:solidFill>
+            <a:schemeClr val="bg1"/>
+          </a:solidFill>
           <a:ln>
             <a:noFill/>
           </a:ln>
@@ -4326,7 +4321,7 @@
               </a:path>
             </a:pathLst>
           </a:custGeom>
-          <a:pattFill prst="ltVert">
+          <a:pattFill prst="wdDnDiag">
             <a:fgClr>
               <a:schemeClr val="tx1"/>
             </a:fgClr>
@@ -4788,7 +4783,7 @@
         </p:blipFill>
         <p:spPr>
           <a:xfrm>
-            <a:off x="491921" y="3309909"/>
+            <a:off x="491921" y="3309917"/>
             <a:ext cx="8230194" cy="2361406"/>
           </a:xfrm>
           <a:prstGeom prst="rect">
@@ -6151,12 +6146,54 @@
           </a:p>
         </p:txBody>
       </p:sp>
-      <p:sp>
-        <p:nvSpPr>
-          <p:cNvPr id="64" name="TextBox 63">
+      <p:cxnSp>
+        <p:nvCxnSpPr>
+          <p:cNvPr id="29" name="Straight Connector 28">
             <a:extLst>
               <a:ext uri="{FF2B5EF4-FFF2-40B4-BE49-F238E27FC236}">
-                <a16:creationId xmlns:a16="http://schemas.microsoft.com/office/drawing/2014/main" id="{30D86410-DB27-B74E-BCDC-9331EF555CED}"/>
+                <a16:creationId xmlns:a16="http://schemas.microsoft.com/office/drawing/2014/main" id="{AD623EF1-63D9-8A4D-BF5F-F2FF07FF3BE2}"/>
+              </a:ext>
+            </a:extLst>
+          </p:cNvPr>
+          <p:cNvCxnSpPr/>
+          <p:nvPr/>
+        </p:nvCxnSpPr>
+        <p:spPr>
+          <a:xfrm>
+            <a:off x="8476077" y="49533"/>
+            <a:ext cx="608575" cy="608576"/>
+          </a:xfrm>
+          <a:prstGeom prst="line">
+            <a:avLst/>
+          </a:prstGeom>
+          <a:ln>
+            <a:solidFill>
+              <a:schemeClr val="tx1"/>
+            </a:solidFill>
+            <a:prstDash val="dash"/>
+          </a:ln>
+        </p:spPr>
+        <p:style>
+          <a:lnRef idx="1">
+            <a:schemeClr val="accent1"/>
+          </a:lnRef>
+          <a:fillRef idx="0">
+            <a:schemeClr val="accent1"/>
+          </a:fillRef>
+          <a:effectRef idx="0">
+            <a:schemeClr val="accent1"/>
+          </a:effectRef>
+          <a:fontRef idx="minor">
+            <a:schemeClr val="tx1"/>
+          </a:fontRef>
+        </p:style>
+      </p:cxnSp>
+      <p:sp>
+        <p:nvSpPr>
+          <p:cNvPr id="30" name="TextBox 29">
+            <a:extLst>
+              <a:ext uri="{FF2B5EF4-FFF2-40B4-BE49-F238E27FC236}">
+                <a16:creationId xmlns:a16="http://schemas.microsoft.com/office/drawing/2014/main" id="{F3E3BC06-4BBA-D04D-B4AE-083BE7B91818}"/>
               </a:ext>
             </a:extLst>
           </p:cNvPr>
@@ -6164,9 +6201,9 @@
           <p:nvPr/>
         </p:nvSpPr>
         <p:spPr>
-          <a:xfrm>
-            <a:off x="2679022" y="204222"/>
-            <a:ext cx="3852337" cy="369332"/>
+          <a:xfrm rot="13228796" flipH="1">
+            <a:off x="8604305" y="164291"/>
+            <a:ext cx="380261" cy="369332"/>
           </a:xfrm>
           <a:prstGeom prst="rect">
             <a:avLst/>
@@ -6174,7 +6211,7 @@
           <a:noFill/>
         </p:spPr>
         <p:txBody>
-          <a:bodyPr wrap="none" rtlCol="0">
+          <a:bodyPr wrap="square" rtlCol="0">
             <a:spAutoFit/>
           </a:bodyPr>
           <a:lstStyle/>
@@ -6184,17 +6221,17 @@
                 <a:latin typeface="Arial" panose="020B0604020202020204" pitchFamily="34" charset="0"/>
                 <a:cs typeface="Arial" panose="020B0604020202020204" pitchFamily="34" charset="0"/>
               </a:rPr>
-              <a:t>Geologic Map of Kentucky - Legend</a:t>
+              <a:t>✄ </a:t>
             </a:r>
           </a:p>
         </p:txBody>
       </p:sp>
       <p:sp>
         <p:nvSpPr>
-          <p:cNvPr id="6" name="Rectangle 5">
+          <p:cNvPr id="31" name="Rectangle 30">
             <a:extLst>
               <a:ext uri="{FF2B5EF4-FFF2-40B4-BE49-F238E27FC236}">
-                <a16:creationId xmlns:a16="http://schemas.microsoft.com/office/drawing/2014/main" id="{E26F9AAB-04BB-2541-B7B4-21DF1049A506}"/>
+                <a16:creationId xmlns:a16="http://schemas.microsoft.com/office/drawing/2014/main" id="{1DEC6499-8251-C943-A132-744E03125795}"/>
               </a:ext>
             </a:extLst>
           </p:cNvPr>
@@ -6203,50 +6240,100 @@
         </p:nvSpPr>
         <p:spPr>
           <a:xfrm>
-            <a:off x="859711" y="1097280"/>
-            <a:ext cx="914400" cy="605790"/>
+            <a:off x="5788461" y="6530445"/>
+            <a:ext cx="3480229" cy="246221"/>
+          </a:xfrm>
+          <a:prstGeom prst="rect">
+            <a:avLst/>
+          </a:prstGeom>
+        </p:spPr>
+        <p:txBody>
+          <a:bodyPr wrap="square">
+            <a:spAutoFit/>
+          </a:bodyPr>
+          <a:lstStyle/>
+          <a:p>
+            <a:r>
+              <a:rPr lang="en-US" sz="1000" b="0" i="0">
+                <a:solidFill>
+                  <a:srgbClr val="000000"/>
+                </a:solidFill>
+                <a:effectLst/>
+                <a:latin typeface="Arial" panose="020B0604020202020204" pitchFamily="34" charset="0"/>
+                <a:cs typeface="Arial" panose="020B0604020202020204" pitchFamily="34" charset="0"/>
+              </a:rPr>
+              <a:t>modified from </a:t>
+            </a:r>
+            <a:r>
+              <a:rPr lang="en-US" sz="1000">
+                <a:latin typeface="Arial" panose="020B0604020202020204" pitchFamily="34" charset="0"/>
+                <a:cs typeface="Arial" panose="020B0604020202020204" pitchFamily="34" charset="0"/>
+                <a:hlinkClick r:id="rId2"/>
+              </a:rPr>
+              <a:t>https://www.uky.edu/KGS/geoky/index.htm</a:t>
+            </a:r>
+            <a:r>
+              <a:rPr lang="en-US" sz="1000" b="0" i="0">
+                <a:solidFill>
+                  <a:srgbClr val="000000"/>
+                </a:solidFill>
+                <a:effectLst/>
+                <a:latin typeface="Arial" panose="020B0604020202020204" pitchFamily="34" charset="0"/>
+                <a:cs typeface="Arial" panose="020B0604020202020204" pitchFamily="34" charset="0"/>
+              </a:rPr>
+              <a:t> </a:t>
+            </a:r>
+            <a:endParaRPr lang="en-US" sz="1000">
+              <a:latin typeface="Arial" panose="020B0604020202020204" pitchFamily="34" charset="0"/>
+              <a:cs typeface="Arial" panose="020B0604020202020204" pitchFamily="34" charset="0"/>
+            </a:endParaRPr>
+          </a:p>
+        </p:txBody>
+      </p:sp>
+      <p:sp>
+        <p:nvSpPr>
+          <p:cNvPr id="32" name="TextBox 31">
+            <a:extLst>
+              <a:ext uri="{FF2B5EF4-FFF2-40B4-BE49-F238E27FC236}">
+                <a16:creationId xmlns:a16="http://schemas.microsoft.com/office/drawing/2014/main" id="{9C14CB02-E367-0F4C-B7D4-6E601DF3B6B0}"/>
+              </a:ext>
+            </a:extLst>
+          </p:cNvPr>
+          <p:cNvSpPr txBox="1"/>
+          <p:nvPr/>
+        </p:nvSpPr>
+        <p:spPr>
+          <a:xfrm>
+            <a:off x="5412284" y="481444"/>
+            <a:ext cx="954107" cy="369332"/>
           </a:xfrm>
           <a:prstGeom prst="rect">
             <a:avLst/>
           </a:prstGeom>
           <a:noFill/>
-          <a:ln w="22225">
-            <a:solidFill>
-              <a:schemeClr val="tx1"/>
-            </a:solidFill>
-          </a:ln>
-        </p:spPr>
-        <p:style>
-          <a:lnRef idx="2">
-            <a:schemeClr val="accent1">
-              <a:shade val="50000"/>
-            </a:schemeClr>
-          </a:lnRef>
-          <a:fillRef idx="1">
-            <a:schemeClr val="accent1"/>
-          </a:fillRef>
-          <a:effectRef idx="0">
-            <a:schemeClr val="accent1"/>
-          </a:effectRef>
-          <a:fontRef idx="minor">
-            <a:schemeClr val="lt1"/>
-          </a:fontRef>
-        </p:style>
-        <p:txBody>
-          <a:bodyPr rtlCol="0" anchor="ctr"/>
-          <a:lstStyle/>
-          <a:p>
-            <a:pPr algn="ctr"/>
-            <a:endParaRPr lang="en-US"/>
-          </a:p>
-        </p:txBody>
-      </p:sp>
-      <p:sp>
-        <p:nvSpPr>
-          <p:cNvPr id="45" name="Rectangle 44">
+        </p:spPr>
+        <p:txBody>
+          <a:bodyPr wrap="none" rtlCol="0">
+            <a:spAutoFit/>
+          </a:bodyPr>
+          <a:lstStyle/>
+          <a:p>
+            <a:r>
+              <a:rPr lang="en-US">
+                <a:latin typeface="Arial" panose="020B0604020202020204" pitchFamily="34" charset="0"/>
+                <a:cs typeface="Arial" panose="020B0604020202020204" pitchFamily="34" charset="0"/>
+              </a:rPr>
+              <a:t>Legend</a:t>
+            </a:r>
+          </a:p>
+        </p:txBody>
+      </p:sp>
+      <p:sp>
+        <p:nvSpPr>
+          <p:cNvPr id="33" name="Rectangle 32">
             <a:extLst>
               <a:ext uri="{FF2B5EF4-FFF2-40B4-BE49-F238E27FC236}">
-                <a16:creationId xmlns:a16="http://schemas.microsoft.com/office/drawing/2014/main" id="{6785999F-0F51-0149-9664-608BEA5B16D7}"/>
+                <a16:creationId xmlns:a16="http://schemas.microsoft.com/office/drawing/2014/main" id="{6C913163-6AD1-2144-A9D9-04FEBF33A88E}"/>
               </a:ext>
             </a:extLst>
           </p:cNvPr>
@@ -6255,7 +6342,7 @@
         </p:nvSpPr>
         <p:spPr>
           <a:xfrm>
-            <a:off x="859711" y="1867535"/>
+            <a:off x="701186" y="468951"/>
             <a:ext cx="914400" cy="605790"/>
           </a:xfrm>
           <a:prstGeom prst="rect">
@@ -6302,10 +6389,10 @@
       </p:sp>
       <p:sp>
         <p:nvSpPr>
-          <p:cNvPr id="46" name="Rectangle 45">
+          <p:cNvPr id="35" name="Rectangle 34">
             <a:extLst>
               <a:ext uri="{FF2B5EF4-FFF2-40B4-BE49-F238E27FC236}">
-                <a16:creationId xmlns:a16="http://schemas.microsoft.com/office/drawing/2014/main" id="{B62E5B3B-FFB9-E145-9CE7-D8DDBC21B3D7}"/>
+                <a16:creationId xmlns:a16="http://schemas.microsoft.com/office/drawing/2014/main" id="{6D6635F4-F23E-F149-93A7-6AC26D737CE3}"/>
               </a:ext>
             </a:extLst>
           </p:cNvPr>
@@ -6314,7 +6401,7 @@
         </p:nvSpPr>
         <p:spPr>
           <a:xfrm>
-            <a:off x="859711" y="2637790"/>
+            <a:off x="701186" y="1239206"/>
             <a:ext cx="914400" cy="605790"/>
           </a:xfrm>
           <a:prstGeom prst="rect">
@@ -6361,10 +6448,10 @@
       </p:sp>
       <p:sp>
         <p:nvSpPr>
-          <p:cNvPr id="48" name="Rectangle 47">
+          <p:cNvPr id="36" name="Rectangle 35">
             <a:extLst>
               <a:ext uri="{FF2B5EF4-FFF2-40B4-BE49-F238E27FC236}">
-                <a16:creationId xmlns:a16="http://schemas.microsoft.com/office/drawing/2014/main" id="{76DFCAC1-4193-8340-BAF0-AE6329C16FF5}"/>
+                <a16:creationId xmlns:a16="http://schemas.microsoft.com/office/drawing/2014/main" id="{B9D7E060-719F-9D4D-BD0C-26352390B59F}"/>
               </a:ext>
             </a:extLst>
           </p:cNvPr>
@@ -6373,7 +6460,7 @@
         </p:nvSpPr>
         <p:spPr>
           <a:xfrm>
-            <a:off x="859711" y="3408045"/>
+            <a:off x="701186" y="2009461"/>
             <a:ext cx="914400" cy="605790"/>
           </a:xfrm>
           <a:prstGeom prst="rect">
@@ -6420,10 +6507,10 @@
       </p:sp>
       <p:sp>
         <p:nvSpPr>
-          <p:cNvPr id="50" name="Rectangle 49">
+          <p:cNvPr id="37" name="Rectangle 36">
             <a:extLst>
               <a:ext uri="{FF2B5EF4-FFF2-40B4-BE49-F238E27FC236}">
-                <a16:creationId xmlns:a16="http://schemas.microsoft.com/office/drawing/2014/main" id="{E1E96337-4F5D-0340-B07C-7DD5A10C41A5}"/>
+                <a16:creationId xmlns:a16="http://schemas.microsoft.com/office/drawing/2014/main" id="{2798F34F-02ED-5B4F-A8E3-9C44C881E71F}"/>
               </a:ext>
             </a:extLst>
           </p:cNvPr>
@@ -6432,7 +6519,7 @@
         </p:nvSpPr>
         <p:spPr>
           <a:xfrm>
-            <a:off x="859711" y="4178300"/>
+            <a:off x="701186" y="2779716"/>
             <a:ext cx="914400" cy="605790"/>
           </a:xfrm>
           <a:prstGeom prst="rect">
@@ -6474,10 +6561,10 @@
       </p:sp>
       <p:sp>
         <p:nvSpPr>
-          <p:cNvPr id="51" name="Rectangle 50">
+          <p:cNvPr id="38" name="Rectangle 37">
             <a:extLst>
               <a:ext uri="{FF2B5EF4-FFF2-40B4-BE49-F238E27FC236}">
-                <a16:creationId xmlns:a16="http://schemas.microsoft.com/office/drawing/2014/main" id="{8D9922F7-C402-3947-AB54-85C6AC3BDC93}"/>
+                <a16:creationId xmlns:a16="http://schemas.microsoft.com/office/drawing/2014/main" id="{3A54B434-F71F-E540-99A0-641264D5C1C1}"/>
               </a:ext>
             </a:extLst>
           </p:cNvPr>
@@ -6486,20 +6573,15 @@
         </p:nvSpPr>
         <p:spPr>
           <a:xfrm>
-            <a:off x="859711" y="4948555"/>
+            <a:off x="701186" y="3549971"/>
             <a:ext cx="914400" cy="605790"/>
           </a:xfrm>
           <a:prstGeom prst="rect">
             <a:avLst/>
           </a:prstGeom>
-          <a:pattFill prst="lgConfetti">
-            <a:fgClr>
-              <a:schemeClr val="tx1"/>
-            </a:fgClr>
-            <a:bgClr>
-              <a:schemeClr val="bg1"/>
-            </a:bgClr>
-          </a:pattFill>
+          <a:solidFill>
+            <a:schemeClr val="bg1"/>
+          </a:solidFill>
           <a:ln w="22225">
             <a:solidFill>
               <a:schemeClr val="tx1"/>
@@ -6533,10 +6615,10 @@
       </p:sp>
       <p:sp>
         <p:nvSpPr>
-          <p:cNvPr id="52" name="Rectangle 51">
+          <p:cNvPr id="39" name="Rectangle 38">
             <a:extLst>
               <a:ext uri="{FF2B5EF4-FFF2-40B4-BE49-F238E27FC236}">
-                <a16:creationId xmlns:a16="http://schemas.microsoft.com/office/drawing/2014/main" id="{DF14A48B-2769-D241-8F03-269650187828}"/>
+                <a16:creationId xmlns:a16="http://schemas.microsoft.com/office/drawing/2014/main" id="{8F01D378-AB28-1B47-96F4-C87475AA05BE}"/>
               </a:ext>
             </a:extLst>
           </p:cNvPr>
@@ -6545,7 +6627,7 @@
         </p:nvSpPr>
         <p:spPr>
           <a:xfrm>
-            <a:off x="859711" y="5718810"/>
+            <a:off x="701186" y="4320226"/>
             <a:ext cx="914400" cy="605790"/>
           </a:xfrm>
           <a:prstGeom prst="rect">
@@ -6592,10 +6674,10 @@
       </p:sp>
       <p:sp>
         <p:nvSpPr>
-          <p:cNvPr id="53" name="TextBox 52">
+          <p:cNvPr id="41" name="TextBox 40">
             <a:extLst>
               <a:ext uri="{FF2B5EF4-FFF2-40B4-BE49-F238E27FC236}">
-                <a16:creationId xmlns:a16="http://schemas.microsoft.com/office/drawing/2014/main" id="{FC6BC957-6481-B046-B121-1FDF62C47661}"/>
+                <a16:creationId xmlns:a16="http://schemas.microsoft.com/office/drawing/2014/main" id="{5038A2B8-092C-F74D-A285-2766A6183E86}"/>
               </a:ext>
             </a:extLst>
           </p:cNvPr>
@@ -6604,45 +6686,7 @@
         </p:nvSpPr>
         <p:spPr>
           <a:xfrm>
-            <a:off x="1917967" y="1253605"/>
-            <a:ext cx="1079142" cy="307777"/>
-          </a:xfrm>
-          <a:prstGeom prst="rect">
-            <a:avLst/>
-          </a:prstGeom>
-          <a:noFill/>
-        </p:spPr>
-        <p:txBody>
-          <a:bodyPr wrap="none" rtlCol="0">
-            <a:spAutoFit/>
-          </a:bodyPr>
-          <a:lstStyle/>
-          <a:p>
-            <a:r>
-              <a:rPr lang="en-US" sz="1400">
-                <a:latin typeface="Arial" panose="020B0604020202020204" pitchFamily="34" charset="0"/>
-                <a:cs typeface="Arial" panose="020B0604020202020204" pitchFamily="34" charset="0"/>
-              </a:rPr>
-              <a:t>Quaternary</a:t>
-            </a:r>
-          </a:p>
-        </p:txBody>
-      </p:sp>
-      <p:sp>
-        <p:nvSpPr>
-          <p:cNvPr id="54" name="TextBox 53">
-            <a:extLst>
-              <a:ext uri="{FF2B5EF4-FFF2-40B4-BE49-F238E27FC236}">
-                <a16:creationId xmlns:a16="http://schemas.microsoft.com/office/drawing/2014/main" id="{9059A34C-47FA-C143-A635-47CF289A6736}"/>
-              </a:ext>
-            </a:extLst>
-          </p:cNvPr>
-          <p:cNvSpPr txBox="1"/>
-          <p:nvPr/>
-        </p:nvSpPr>
-        <p:spPr>
-          <a:xfrm>
-            <a:off x="1917967" y="2029970"/>
+            <a:off x="1759442" y="631386"/>
             <a:ext cx="1835118" cy="307777"/>
           </a:xfrm>
           <a:prstGeom prst="rect">
@@ -6668,10 +6712,10 @@
       </p:sp>
       <p:sp>
         <p:nvSpPr>
-          <p:cNvPr id="55" name="TextBox 54">
+          <p:cNvPr id="42" name="TextBox 41">
             <a:extLst>
               <a:ext uri="{FF2B5EF4-FFF2-40B4-BE49-F238E27FC236}">
-                <a16:creationId xmlns:a16="http://schemas.microsoft.com/office/drawing/2014/main" id="{92E5275E-DEC3-7047-A250-09CF5D5CE9E2}"/>
+                <a16:creationId xmlns:a16="http://schemas.microsoft.com/office/drawing/2014/main" id="{11E0691B-A5EA-994C-9262-F3C379A6AAF3}"/>
               </a:ext>
             </a:extLst>
           </p:cNvPr>
@@ -6680,7 +6724,7 @@
         </p:nvSpPr>
         <p:spPr>
           <a:xfrm>
-            <a:off x="1917967" y="2806335"/>
+            <a:off x="1759442" y="1407751"/>
             <a:ext cx="1350050" cy="307777"/>
           </a:xfrm>
           <a:prstGeom prst="rect">
@@ -6706,10 +6750,10 @@
       </p:sp>
       <p:sp>
         <p:nvSpPr>
-          <p:cNvPr id="57" name="TextBox 56">
+          <p:cNvPr id="43" name="TextBox 42">
             <a:extLst>
               <a:ext uri="{FF2B5EF4-FFF2-40B4-BE49-F238E27FC236}">
-                <a16:creationId xmlns:a16="http://schemas.microsoft.com/office/drawing/2014/main" id="{EDD196A2-8B8C-3347-B2E2-612D2D2F8AC1}"/>
+                <a16:creationId xmlns:a16="http://schemas.microsoft.com/office/drawing/2014/main" id="{47D1EC02-6830-2F45-9889-2B1D033C5E15}"/>
               </a:ext>
             </a:extLst>
           </p:cNvPr>
@@ -6718,8 +6762,8 @@
         </p:nvSpPr>
         <p:spPr>
           <a:xfrm>
-            <a:off x="1929541" y="3582700"/>
-            <a:ext cx="3438930" cy="307777"/>
+            <a:off x="1771016" y="2184116"/>
+            <a:ext cx="1416332" cy="307777"/>
           </a:xfrm>
           <a:prstGeom prst="rect">
             <a:avLst/>
@@ -6744,10 +6788,10 @@
       </p:sp>
       <p:sp>
         <p:nvSpPr>
-          <p:cNvPr id="61" name="TextBox 60">
+          <p:cNvPr id="44" name="TextBox 43">
             <a:extLst>
               <a:ext uri="{FF2B5EF4-FFF2-40B4-BE49-F238E27FC236}">
-                <a16:creationId xmlns:a16="http://schemas.microsoft.com/office/drawing/2014/main" id="{35935AC0-AE44-AF44-9E0B-F008177D8A99}"/>
+                <a16:creationId xmlns:a16="http://schemas.microsoft.com/office/drawing/2014/main" id="{74520F89-30DF-1146-B83F-168926CEA2CE}"/>
               </a:ext>
             </a:extLst>
           </p:cNvPr>
@@ -6756,7 +6800,7 @@
         </p:nvSpPr>
         <p:spPr>
           <a:xfrm>
-            <a:off x="1917967" y="4359065"/>
+            <a:off x="1759442" y="2960481"/>
             <a:ext cx="941283" cy="307777"/>
           </a:xfrm>
           <a:prstGeom prst="rect">
@@ -6782,10 +6826,10 @@
       </p:sp>
       <p:sp>
         <p:nvSpPr>
-          <p:cNvPr id="62" name="TextBox 61">
+          <p:cNvPr id="47" name="TextBox 46">
             <a:extLst>
               <a:ext uri="{FF2B5EF4-FFF2-40B4-BE49-F238E27FC236}">
-                <a16:creationId xmlns:a16="http://schemas.microsoft.com/office/drawing/2014/main" id="{F6FADCA2-3B57-904A-9A0A-DDE2FF17E215}"/>
+                <a16:creationId xmlns:a16="http://schemas.microsoft.com/office/drawing/2014/main" id="{562B61C9-FA8A-E241-AE2F-87D4505A7563}"/>
               </a:ext>
             </a:extLst>
           </p:cNvPr>
@@ -6794,7 +6838,7 @@
         </p:nvSpPr>
         <p:spPr>
           <a:xfrm>
-            <a:off x="1917967" y="5135430"/>
+            <a:off x="1759442" y="3736846"/>
             <a:ext cx="782587" cy="307777"/>
           </a:xfrm>
           <a:prstGeom prst="rect">
@@ -6820,10 +6864,10 @@
       </p:sp>
       <p:sp>
         <p:nvSpPr>
-          <p:cNvPr id="63" name="TextBox 62">
+          <p:cNvPr id="49" name="TextBox 48">
             <a:extLst>
               <a:ext uri="{FF2B5EF4-FFF2-40B4-BE49-F238E27FC236}">
-                <a16:creationId xmlns:a16="http://schemas.microsoft.com/office/drawing/2014/main" id="{A134BB1E-21D4-8341-94CF-47D1C4D92778}"/>
+                <a16:creationId xmlns:a16="http://schemas.microsoft.com/office/drawing/2014/main" id="{D49ACA4E-7B5A-A242-A297-C44EBB8A5FCF}"/>
               </a:ext>
             </a:extLst>
           </p:cNvPr>
@@ -6832,7 +6876,7 @@
         </p:nvSpPr>
         <p:spPr>
           <a:xfrm>
-            <a:off x="1917967" y="5911794"/>
+            <a:off x="1759442" y="4513210"/>
             <a:ext cx="1040670" cy="307777"/>
           </a:xfrm>
           <a:prstGeom prst="rect">
@@ -6858,10 +6902,10 @@
       </p:sp>
       <p:sp>
         <p:nvSpPr>
-          <p:cNvPr id="22" name="TextBox 21">
+          <p:cNvPr id="56" name="TextBox 55">
             <a:extLst>
               <a:ext uri="{FF2B5EF4-FFF2-40B4-BE49-F238E27FC236}">
-                <a16:creationId xmlns:a16="http://schemas.microsoft.com/office/drawing/2014/main" id="{46F38C1A-85B5-894E-93D0-C67317F8807F}"/>
+                <a16:creationId xmlns:a16="http://schemas.microsoft.com/office/drawing/2014/main" id="{340617DD-EEAB-7C48-B18D-ADAAA92C2B85}"/>
               </a:ext>
             </a:extLst>
           </p:cNvPr>
@@ -6870,7 +6914,7 @@
         </p:nvSpPr>
         <p:spPr>
           <a:xfrm>
-            <a:off x="6486611" y="4411675"/>
+            <a:off x="1783368" y="5274836"/>
             <a:ext cx="960519" cy="307777"/>
           </a:xfrm>
           <a:prstGeom prst="rect">
@@ -6896,10 +6940,10 @@
       </p:sp>
       <p:sp>
         <p:nvSpPr>
-          <p:cNvPr id="23" name="TextBox 22">
+          <p:cNvPr id="58" name="TextBox 57">
             <a:extLst>
               <a:ext uri="{FF2B5EF4-FFF2-40B4-BE49-F238E27FC236}">
-                <a16:creationId xmlns:a16="http://schemas.microsoft.com/office/drawing/2014/main" id="{68EDFB45-DA08-2542-8A9E-9FF764276069}"/>
+                <a16:creationId xmlns:a16="http://schemas.microsoft.com/office/drawing/2014/main" id="{66C06FC3-7178-8441-9422-7A0A1F86989E}"/>
               </a:ext>
             </a:extLst>
           </p:cNvPr>
@@ -6908,7 +6952,7 @@
         </p:nvSpPr>
         <p:spPr>
           <a:xfrm>
-            <a:off x="6486611" y="5188039"/>
+            <a:off x="1783368" y="6051200"/>
             <a:ext cx="1199367" cy="307777"/>
           </a:xfrm>
           <a:prstGeom prst="rect">
@@ -6934,48 +6978,10 @@
       </p:sp>
       <p:sp>
         <p:nvSpPr>
-          <p:cNvPr id="24" name="TextBox 23">
+          <p:cNvPr id="60" name="Rectangle 59">
             <a:extLst>
               <a:ext uri="{FF2B5EF4-FFF2-40B4-BE49-F238E27FC236}">
-                <a16:creationId xmlns:a16="http://schemas.microsoft.com/office/drawing/2014/main" id="{A67DA1BC-A838-6349-B321-96E067EC91D4}"/>
-              </a:ext>
-            </a:extLst>
-          </p:cNvPr>
-          <p:cNvSpPr txBox="1"/>
-          <p:nvPr/>
-        </p:nvSpPr>
-        <p:spPr>
-          <a:xfrm>
-            <a:off x="6013223" y="3546887"/>
-            <a:ext cx="2013693" cy="307777"/>
-          </a:xfrm>
-          <a:prstGeom prst="rect">
-            <a:avLst/>
-          </a:prstGeom>
-          <a:noFill/>
-        </p:spPr>
-        <p:txBody>
-          <a:bodyPr wrap="none" rtlCol="0">
-            <a:spAutoFit/>
-          </a:bodyPr>
-          <a:lstStyle/>
-          <a:p>
-            <a:r>
-              <a:rPr lang="en-US" sz="1400">
-                <a:latin typeface="Arial" panose="020B0604020202020204" pitchFamily="34" charset="0"/>
-                <a:cs typeface="Arial" panose="020B0604020202020204" pitchFamily="34" charset="0"/>
-              </a:rPr>
-              <a:t>Buried (do not outcrop)</a:t>
-            </a:r>
-          </a:p>
-        </p:txBody>
-      </p:sp>
-      <p:sp>
-        <p:nvSpPr>
-          <p:cNvPr id="26" name="Rectangle 25">
-            <a:extLst>
-              <a:ext uri="{FF2B5EF4-FFF2-40B4-BE49-F238E27FC236}">
-                <a16:creationId xmlns:a16="http://schemas.microsoft.com/office/drawing/2014/main" id="{D3629524-95B0-E04B-A690-4110385EB657}"/>
+                <a16:creationId xmlns:a16="http://schemas.microsoft.com/office/drawing/2014/main" id="{553E06F2-B784-A544-BE6E-B21EC84B63FB}"/>
               </a:ext>
             </a:extLst>
           </p:cNvPr>
@@ -6984,13 +6990,13 @@
         </p:nvSpPr>
         <p:spPr>
           <a:xfrm>
-            <a:off x="5340115" y="4292863"/>
+            <a:off x="686566" y="5871641"/>
             <a:ext cx="914400" cy="605790"/>
           </a:xfrm>
           <a:prstGeom prst="rect">
             <a:avLst/>
           </a:prstGeom>
-          <a:pattFill prst="ltVert">
+          <a:pattFill prst="solidDmnd">
             <a:fgClr>
               <a:schemeClr val="tx1"/>
             </a:fgClr>
@@ -7031,10 +7037,10 @@
       </p:sp>
       <p:sp>
         <p:nvSpPr>
-          <p:cNvPr id="27" name="Rectangle 26">
+          <p:cNvPr id="65" name="Rectangle 64">
             <a:extLst>
               <a:ext uri="{FF2B5EF4-FFF2-40B4-BE49-F238E27FC236}">
-                <a16:creationId xmlns:a16="http://schemas.microsoft.com/office/drawing/2014/main" id="{7163D1F2-A5CE-3A49-9A24-B2F071CAF717}"/>
+                <a16:creationId xmlns:a16="http://schemas.microsoft.com/office/drawing/2014/main" id="{3DF80169-873F-524C-8C50-FBBA1B29B7EC}"/>
               </a:ext>
             </a:extLst>
           </p:cNvPr>
@@ -7043,13 +7049,13 @@
         </p:nvSpPr>
         <p:spPr>
           <a:xfrm>
-            <a:off x="5340115" y="5063118"/>
+            <a:off x="696506" y="5101331"/>
             <a:ext cx="914400" cy="605790"/>
           </a:xfrm>
           <a:prstGeom prst="rect">
             <a:avLst/>
           </a:prstGeom>
-          <a:pattFill prst="lgCheck">
+          <a:pattFill prst="wdDnDiag">
             <a:fgClr>
               <a:schemeClr val="tx1"/>
             </a:fgClr>
@@ -7088,62 +7094,10 @@
           </a:p>
         </p:txBody>
       </p:sp>
-      <p:sp>
-        <p:nvSpPr>
-          <p:cNvPr id="28" name="Rectangle 27">
-            <a:extLst>
-              <a:ext uri="{FF2B5EF4-FFF2-40B4-BE49-F238E27FC236}">
-                <a16:creationId xmlns:a16="http://schemas.microsoft.com/office/drawing/2014/main" id="{17BC1B53-9B04-F945-BECF-8482D203A324}"/>
-              </a:ext>
-            </a:extLst>
-          </p:cNvPr>
-          <p:cNvSpPr/>
-          <p:nvPr/>
-        </p:nvSpPr>
-        <p:spPr>
-          <a:xfrm>
-            <a:off x="5098774" y="3252486"/>
-            <a:ext cx="3906330" cy="2720051"/>
-          </a:xfrm>
-          <a:prstGeom prst="rect">
-            <a:avLst/>
-          </a:prstGeom>
-          <a:noFill/>
-          <a:ln w="22225">
-            <a:solidFill>
-              <a:schemeClr val="tx1"/>
-            </a:solidFill>
-          </a:ln>
-        </p:spPr>
-        <p:style>
-          <a:lnRef idx="2">
-            <a:schemeClr val="accent1">
-              <a:shade val="50000"/>
-            </a:schemeClr>
-          </a:lnRef>
-          <a:fillRef idx="1">
-            <a:schemeClr val="accent1"/>
-          </a:fillRef>
-          <a:effectRef idx="0">
-            <a:schemeClr val="accent1"/>
-          </a:effectRef>
-          <a:fontRef idx="minor">
-            <a:schemeClr val="lt1"/>
-          </a:fontRef>
-        </p:style>
-        <p:txBody>
-          <a:bodyPr rtlCol="0" anchor="ctr"/>
-          <a:lstStyle/>
-          <a:p>
-            <a:pPr algn="ctr"/>
-            <a:endParaRPr lang="en-US"/>
-          </a:p>
-        </p:txBody>
-      </p:sp>
     </p:spTree>
     <p:extLst>
       <p:ext uri="{BB962C8B-B14F-4D97-AF65-F5344CB8AC3E}">
-        <p14:creationId xmlns:p14="http://schemas.microsoft.com/office/powerpoint/2010/main" val="4176826568"/>
+        <p14:creationId xmlns:p14="http://schemas.microsoft.com/office/powerpoint/2010/main" val="2648047562"/>
       </p:ext>
     </p:extLst>
   </p:cSld>
@@ -7337,14 +7291,9 @@
               </a:path>
             </a:pathLst>
           </a:custGeom>
-          <a:pattFill prst="lgConfetti">
-            <a:fgClr>
-              <a:schemeClr val="tx1"/>
-            </a:fgClr>
-            <a:bgClr>
-              <a:schemeClr val="bg1"/>
-            </a:bgClr>
-          </a:pattFill>
+          <a:solidFill>
+            <a:schemeClr val="bg1"/>
+          </a:solidFill>
           <a:ln>
             <a:noFill/>
           </a:ln>
@@ -8697,7 +8646,7 @@
               </a:path>
             </a:pathLst>
           </a:custGeom>
-          <a:pattFill prst="ltVert">
+          <a:pattFill prst="wdDnDiag">
             <a:fgClr>
               <a:schemeClr val="tx1"/>
             </a:fgClr>
@@ -9163,7 +9112,7 @@
         </p:blipFill>
         <p:spPr>
           <a:xfrm>
-            <a:off x="502553" y="3278011"/>
+            <a:off x="502553" y="3278015"/>
             <a:ext cx="8230194" cy="2361406"/>
           </a:xfrm>
           <a:prstGeom prst="rect">
@@ -10495,10 +10444,116 @@
       </p:sp>
       <p:sp>
         <p:nvSpPr>
-          <p:cNvPr id="64" name="TextBox 63">
+          <p:cNvPr id="34" name="Rectangle 33">
             <a:extLst>
               <a:ext uri="{FF2B5EF4-FFF2-40B4-BE49-F238E27FC236}">
-                <a16:creationId xmlns:a16="http://schemas.microsoft.com/office/drawing/2014/main" id="{30D86410-DB27-B74E-BCDC-9331EF555CED}"/>
+                <a16:creationId xmlns:a16="http://schemas.microsoft.com/office/drawing/2014/main" id="{69052520-8C12-F643-AC52-13A34C4B1A50}"/>
+              </a:ext>
+            </a:extLst>
+          </p:cNvPr>
+          <p:cNvSpPr/>
+          <p:nvPr/>
+        </p:nvSpPr>
+        <p:spPr>
+          <a:xfrm>
+            <a:off x="5788461" y="6530445"/>
+            <a:ext cx="3480229" cy="246221"/>
+          </a:xfrm>
+          <a:prstGeom prst="rect">
+            <a:avLst/>
+          </a:prstGeom>
+        </p:spPr>
+        <p:txBody>
+          <a:bodyPr wrap="square">
+            <a:spAutoFit/>
+          </a:bodyPr>
+          <a:lstStyle/>
+          <a:p>
+            <a:r>
+              <a:rPr lang="en-US" sz="1000" b="0" i="0">
+                <a:solidFill>
+                  <a:srgbClr val="000000"/>
+                </a:solidFill>
+                <a:effectLst/>
+                <a:latin typeface="Arial" panose="020B0604020202020204" pitchFamily="34" charset="0"/>
+                <a:cs typeface="Arial" panose="020B0604020202020204" pitchFamily="34" charset="0"/>
+              </a:rPr>
+              <a:t>modified from </a:t>
+            </a:r>
+            <a:r>
+              <a:rPr lang="en-US" sz="1000">
+                <a:latin typeface="Arial" panose="020B0604020202020204" pitchFamily="34" charset="0"/>
+                <a:cs typeface="Arial" panose="020B0604020202020204" pitchFamily="34" charset="0"/>
+                <a:hlinkClick r:id="rId2"/>
+              </a:rPr>
+              <a:t>https://www.uky.edu/KGS/geoky/index.htm</a:t>
+            </a:r>
+            <a:r>
+              <a:rPr lang="en-US" sz="1000" b="0" i="0">
+                <a:solidFill>
+                  <a:srgbClr val="000000"/>
+                </a:solidFill>
+                <a:effectLst/>
+                <a:latin typeface="Arial" panose="020B0604020202020204" pitchFamily="34" charset="0"/>
+                <a:cs typeface="Arial" panose="020B0604020202020204" pitchFamily="34" charset="0"/>
+              </a:rPr>
+              <a:t> </a:t>
+            </a:r>
+            <a:endParaRPr lang="en-US" sz="1000">
+              <a:latin typeface="Arial" panose="020B0604020202020204" pitchFamily="34" charset="0"/>
+              <a:cs typeface="Arial" panose="020B0604020202020204" pitchFamily="34" charset="0"/>
+            </a:endParaRPr>
+          </a:p>
+        </p:txBody>
+      </p:sp>
+      <p:cxnSp>
+        <p:nvCxnSpPr>
+          <p:cNvPr id="29" name="Straight Connector 28">
+            <a:extLst>
+              <a:ext uri="{FF2B5EF4-FFF2-40B4-BE49-F238E27FC236}">
+                <a16:creationId xmlns:a16="http://schemas.microsoft.com/office/drawing/2014/main" id="{AD623EF1-63D9-8A4D-BF5F-F2FF07FF3BE2}"/>
+              </a:ext>
+            </a:extLst>
+          </p:cNvPr>
+          <p:cNvCxnSpPr/>
+          <p:nvPr/>
+        </p:nvCxnSpPr>
+        <p:spPr>
+          <a:xfrm>
+            <a:off x="8476077" y="49533"/>
+            <a:ext cx="608575" cy="608576"/>
+          </a:xfrm>
+          <a:prstGeom prst="line">
+            <a:avLst/>
+          </a:prstGeom>
+          <a:ln>
+            <a:solidFill>
+              <a:schemeClr val="tx1"/>
+            </a:solidFill>
+            <a:prstDash val="dash"/>
+          </a:ln>
+        </p:spPr>
+        <p:style>
+          <a:lnRef idx="1">
+            <a:schemeClr val="accent1"/>
+          </a:lnRef>
+          <a:fillRef idx="0">
+            <a:schemeClr val="accent1"/>
+          </a:fillRef>
+          <a:effectRef idx="0">
+            <a:schemeClr val="accent1"/>
+          </a:effectRef>
+          <a:fontRef idx="minor">
+            <a:schemeClr val="tx1"/>
+          </a:fontRef>
+        </p:style>
+      </p:cxnSp>
+      <p:sp>
+        <p:nvSpPr>
+          <p:cNvPr id="30" name="TextBox 29">
+            <a:extLst>
+              <a:ext uri="{FF2B5EF4-FFF2-40B4-BE49-F238E27FC236}">
+                <a16:creationId xmlns:a16="http://schemas.microsoft.com/office/drawing/2014/main" id="{F3E3BC06-4BBA-D04D-B4AE-083BE7B91818}"/>
               </a:ext>
             </a:extLst>
           </p:cNvPr>
@@ -10506,9 +10561,9 @@
           <p:nvPr/>
         </p:nvSpPr>
         <p:spPr>
-          <a:xfrm>
-            <a:off x="587332" y="249942"/>
-            <a:ext cx="8159606" cy="461665"/>
+          <a:xfrm rot="13228796" flipH="1">
+            <a:off x="8604305" y="164291"/>
+            <a:ext cx="380261" cy="369332"/>
           </a:xfrm>
           <a:prstGeom prst="rect">
             <a:avLst/>
@@ -10516,27 +10571,27 @@
           <a:noFill/>
         </p:spPr>
         <p:txBody>
-          <a:bodyPr wrap="none" rtlCol="0">
+          <a:bodyPr wrap="square" rtlCol="0">
             <a:spAutoFit/>
           </a:bodyPr>
           <a:lstStyle/>
           <a:p>
             <a:r>
-              <a:rPr lang="en-US" sz="2400">
-                <a:latin typeface="Swell Braille" pitchFamily="49"/>
+              <a:rPr lang="en-US">
+                <a:latin typeface="Arial" panose="020B0604020202020204" pitchFamily="34" charset="0"/>
                 <a:cs typeface="Arial" panose="020B0604020202020204" pitchFamily="34" charset="0"/>
               </a:rPr>
-              <a:t>⠠⠛⠑⠕⠇⠕⠛⠊⠉⠀⠠⠍⠁⠏⠀⠷⠀⠠⠅⠢⠞⠥⠉⠅⠽⠀⠤⠀⠠⠇⠑⠛⠑⠝⠙</a:t>
+              <a:t>✄ </a:t>
             </a:r>
           </a:p>
         </p:txBody>
       </p:sp>
       <p:sp>
         <p:nvSpPr>
-          <p:cNvPr id="6" name="Rectangle 5">
+          <p:cNvPr id="31" name="Rectangle 30">
             <a:extLst>
               <a:ext uri="{FF2B5EF4-FFF2-40B4-BE49-F238E27FC236}">
-                <a16:creationId xmlns:a16="http://schemas.microsoft.com/office/drawing/2014/main" id="{E26F9AAB-04BB-2541-B7B4-21DF1049A506}"/>
+                <a16:creationId xmlns:a16="http://schemas.microsoft.com/office/drawing/2014/main" id="{1DEC6499-8251-C943-A132-744E03125795}"/>
               </a:ext>
             </a:extLst>
           </p:cNvPr>
@@ -10545,50 +10600,62 @@
         </p:nvSpPr>
         <p:spPr>
           <a:xfrm>
-            <a:off x="526941" y="1097280"/>
-            <a:ext cx="914400" cy="605790"/>
+            <a:off x="5788461" y="6530445"/>
+            <a:ext cx="3480229" cy="246221"/>
           </a:xfrm>
           <a:prstGeom prst="rect">
             <a:avLst/>
           </a:prstGeom>
-          <a:noFill/>
-          <a:ln w="22225">
-            <a:solidFill>
-              <a:schemeClr val="tx1"/>
-            </a:solidFill>
-          </a:ln>
-        </p:spPr>
-        <p:style>
-          <a:lnRef idx="2">
-            <a:schemeClr val="accent1">
-              <a:shade val="50000"/>
-            </a:schemeClr>
-          </a:lnRef>
-          <a:fillRef idx="1">
-            <a:schemeClr val="accent1"/>
-          </a:fillRef>
-          <a:effectRef idx="0">
-            <a:schemeClr val="accent1"/>
-          </a:effectRef>
-          <a:fontRef idx="minor">
-            <a:schemeClr val="lt1"/>
-          </a:fontRef>
-        </p:style>
-        <p:txBody>
-          <a:bodyPr rtlCol="0" anchor="ctr"/>
-          <a:lstStyle/>
-          <a:p>
-            <a:pPr algn="ctr"/>
-            <a:endParaRPr lang="en-US"/>
-          </a:p>
-        </p:txBody>
-      </p:sp>
-      <p:sp>
-        <p:nvSpPr>
-          <p:cNvPr id="45" name="Rectangle 44">
+        </p:spPr>
+        <p:txBody>
+          <a:bodyPr wrap="square">
+            <a:spAutoFit/>
+          </a:bodyPr>
+          <a:lstStyle/>
+          <a:p>
+            <a:r>
+              <a:rPr lang="en-US" sz="1000" b="0" i="0">
+                <a:solidFill>
+                  <a:srgbClr val="000000"/>
+                </a:solidFill>
+                <a:effectLst/>
+                <a:latin typeface="Arial" panose="020B0604020202020204" pitchFamily="34" charset="0"/>
+                <a:cs typeface="Arial" panose="020B0604020202020204" pitchFamily="34" charset="0"/>
+              </a:rPr>
+              <a:t>modified from </a:t>
+            </a:r>
+            <a:r>
+              <a:rPr lang="en-US" sz="1000">
+                <a:latin typeface="Arial" panose="020B0604020202020204" pitchFamily="34" charset="0"/>
+                <a:cs typeface="Arial" panose="020B0604020202020204" pitchFamily="34" charset="0"/>
+                <a:hlinkClick r:id="rId2"/>
+              </a:rPr>
+              <a:t>https://www.uky.edu/KGS/geoky/index.htm</a:t>
+            </a:r>
+            <a:r>
+              <a:rPr lang="en-US" sz="1000" b="0" i="0">
+                <a:solidFill>
+                  <a:srgbClr val="000000"/>
+                </a:solidFill>
+                <a:effectLst/>
+                <a:latin typeface="Arial" panose="020B0604020202020204" pitchFamily="34" charset="0"/>
+                <a:cs typeface="Arial" panose="020B0604020202020204" pitchFamily="34" charset="0"/>
+              </a:rPr>
+              <a:t> </a:t>
+            </a:r>
+            <a:endParaRPr lang="en-US" sz="1000">
+              <a:latin typeface="Arial" panose="020B0604020202020204" pitchFamily="34" charset="0"/>
+              <a:cs typeface="Arial" panose="020B0604020202020204" pitchFamily="34" charset="0"/>
+            </a:endParaRPr>
+          </a:p>
+        </p:txBody>
+      </p:sp>
+      <p:sp>
+        <p:nvSpPr>
+          <p:cNvPr id="33" name="Rectangle 32">
             <a:extLst>
               <a:ext uri="{FF2B5EF4-FFF2-40B4-BE49-F238E27FC236}">
-                <a16:creationId xmlns:a16="http://schemas.microsoft.com/office/drawing/2014/main" id="{6785999F-0F51-0149-9664-608BEA5B16D7}"/>
+                <a16:creationId xmlns:a16="http://schemas.microsoft.com/office/drawing/2014/main" id="{6C913163-6AD1-2144-A9D9-04FEBF33A88E}"/>
               </a:ext>
             </a:extLst>
           </p:cNvPr>
@@ -10597,7 +10664,7 @@
         </p:nvSpPr>
         <p:spPr>
           <a:xfrm>
-            <a:off x="526941" y="1867535"/>
+            <a:off x="701186" y="468951"/>
             <a:ext cx="914400" cy="605790"/>
           </a:xfrm>
           <a:prstGeom prst="rect">
@@ -10644,10 +10711,10 @@
       </p:sp>
       <p:sp>
         <p:nvSpPr>
-          <p:cNvPr id="46" name="Rectangle 45">
+          <p:cNvPr id="35" name="Rectangle 34">
             <a:extLst>
               <a:ext uri="{FF2B5EF4-FFF2-40B4-BE49-F238E27FC236}">
-                <a16:creationId xmlns:a16="http://schemas.microsoft.com/office/drawing/2014/main" id="{B62E5B3B-FFB9-E145-9CE7-D8DDBC21B3D7}"/>
+                <a16:creationId xmlns:a16="http://schemas.microsoft.com/office/drawing/2014/main" id="{6D6635F4-F23E-F149-93A7-6AC26D737CE3}"/>
               </a:ext>
             </a:extLst>
           </p:cNvPr>
@@ -10656,7 +10723,7 @@
         </p:nvSpPr>
         <p:spPr>
           <a:xfrm>
-            <a:off x="526941" y="2637790"/>
+            <a:off x="701186" y="1239206"/>
             <a:ext cx="914400" cy="605790"/>
           </a:xfrm>
           <a:prstGeom prst="rect">
@@ -10703,10 +10770,10 @@
       </p:sp>
       <p:sp>
         <p:nvSpPr>
-          <p:cNvPr id="48" name="Rectangle 47">
+          <p:cNvPr id="36" name="Rectangle 35">
             <a:extLst>
               <a:ext uri="{FF2B5EF4-FFF2-40B4-BE49-F238E27FC236}">
-                <a16:creationId xmlns:a16="http://schemas.microsoft.com/office/drawing/2014/main" id="{76DFCAC1-4193-8340-BAF0-AE6329C16FF5}"/>
+                <a16:creationId xmlns:a16="http://schemas.microsoft.com/office/drawing/2014/main" id="{B9D7E060-719F-9D4D-BD0C-26352390B59F}"/>
               </a:ext>
             </a:extLst>
           </p:cNvPr>
@@ -10715,7 +10782,7 @@
         </p:nvSpPr>
         <p:spPr>
           <a:xfrm>
-            <a:off x="526941" y="3408045"/>
+            <a:off x="701186" y="2009461"/>
             <a:ext cx="914400" cy="605790"/>
           </a:xfrm>
           <a:prstGeom prst="rect">
@@ -10762,10 +10829,10 @@
       </p:sp>
       <p:sp>
         <p:nvSpPr>
-          <p:cNvPr id="50" name="Rectangle 49">
+          <p:cNvPr id="37" name="Rectangle 36">
             <a:extLst>
               <a:ext uri="{FF2B5EF4-FFF2-40B4-BE49-F238E27FC236}">
-                <a16:creationId xmlns:a16="http://schemas.microsoft.com/office/drawing/2014/main" id="{E1E96337-4F5D-0340-B07C-7DD5A10C41A5}"/>
+                <a16:creationId xmlns:a16="http://schemas.microsoft.com/office/drawing/2014/main" id="{2798F34F-02ED-5B4F-A8E3-9C44C881E71F}"/>
               </a:ext>
             </a:extLst>
           </p:cNvPr>
@@ -10774,7 +10841,7 @@
         </p:nvSpPr>
         <p:spPr>
           <a:xfrm>
-            <a:off x="526941" y="4178300"/>
+            <a:off x="701186" y="2779716"/>
             <a:ext cx="914400" cy="605790"/>
           </a:xfrm>
           <a:prstGeom prst="rect">
@@ -10816,10 +10883,10 @@
       </p:sp>
       <p:sp>
         <p:nvSpPr>
-          <p:cNvPr id="51" name="Rectangle 50">
+          <p:cNvPr id="38" name="Rectangle 37">
             <a:extLst>
               <a:ext uri="{FF2B5EF4-FFF2-40B4-BE49-F238E27FC236}">
-                <a16:creationId xmlns:a16="http://schemas.microsoft.com/office/drawing/2014/main" id="{8D9922F7-C402-3947-AB54-85C6AC3BDC93}"/>
+                <a16:creationId xmlns:a16="http://schemas.microsoft.com/office/drawing/2014/main" id="{3A54B434-F71F-E540-99A0-641264D5C1C1}"/>
               </a:ext>
             </a:extLst>
           </p:cNvPr>
@@ -10828,20 +10895,15 @@
         </p:nvSpPr>
         <p:spPr>
           <a:xfrm>
-            <a:off x="526941" y="4948555"/>
+            <a:off x="701186" y="3549971"/>
             <a:ext cx="914400" cy="605790"/>
           </a:xfrm>
           <a:prstGeom prst="rect">
             <a:avLst/>
           </a:prstGeom>
-          <a:pattFill prst="lgConfetti">
-            <a:fgClr>
-              <a:schemeClr val="tx1"/>
-            </a:fgClr>
-            <a:bgClr>
-              <a:schemeClr val="bg1"/>
-            </a:bgClr>
-          </a:pattFill>
+          <a:solidFill>
+            <a:schemeClr val="bg1"/>
+          </a:solidFill>
           <a:ln w="22225">
             <a:solidFill>
               <a:schemeClr val="tx1"/>
@@ -10875,10 +10937,10 @@
       </p:sp>
       <p:sp>
         <p:nvSpPr>
-          <p:cNvPr id="52" name="Rectangle 51">
+          <p:cNvPr id="39" name="Rectangle 38">
             <a:extLst>
               <a:ext uri="{FF2B5EF4-FFF2-40B4-BE49-F238E27FC236}">
-                <a16:creationId xmlns:a16="http://schemas.microsoft.com/office/drawing/2014/main" id="{DF14A48B-2769-D241-8F03-269650187828}"/>
+                <a16:creationId xmlns:a16="http://schemas.microsoft.com/office/drawing/2014/main" id="{8F01D378-AB28-1B47-96F4-C87475AA05BE}"/>
               </a:ext>
             </a:extLst>
           </p:cNvPr>
@@ -10887,7 +10949,7 @@
         </p:nvSpPr>
         <p:spPr>
           <a:xfrm>
-            <a:off x="526941" y="5718810"/>
+            <a:off x="701186" y="4320226"/>
             <a:ext cx="914400" cy="605790"/>
           </a:xfrm>
           <a:prstGeom prst="rect">
@@ -10934,10 +10996,10 @@
       </p:sp>
       <p:sp>
         <p:nvSpPr>
-          <p:cNvPr id="53" name="TextBox 52">
+          <p:cNvPr id="25" name="TextBox 24">
             <a:extLst>
               <a:ext uri="{FF2B5EF4-FFF2-40B4-BE49-F238E27FC236}">
-                <a16:creationId xmlns:a16="http://schemas.microsoft.com/office/drawing/2014/main" id="{FC6BC957-6481-B046-B121-1FDF62C47661}"/>
+                <a16:creationId xmlns:a16="http://schemas.microsoft.com/office/drawing/2014/main" id="{D12D8659-80BD-F340-9872-047129880111}"/>
               </a:ext>
             </a:extLst>
           </p:cNvPr>
@@ -10946,8 +11008,8 @@
         </p:nvSpPr>
         <p:spPr>
           <a:xfrm>
-            <a:off x="1596627" y="1127875"/>
-            <a:ext cx="2276585" cy="461665"/>
+            <a:off x="1754845" y="308996"/>
+            <a:ext cx="2635658" cy="830997"/>
           </a:xfrm>
           <a:prstGeom prst="rect">
             <a:avLst/>
@@ -10965,17 +11027,26 @@
                 <a:latin typeface="Swell Braille" pitchFamily="49"/>
                 <a:cs typeface="Arial" panose="020B0604020202020204" pitchFamily="34" charset="0"/>
               </a:rPr>
-              <a:t>⠠⠟⠥⠁⠞⠻⠝⠜⠽</a:t>
+              <a:t>⠠⠞⠻⠞⠊⠜⠽⠀⠸⠌⠀</a:t>
             </a:r>
           </a:p>
-        </p:txBody>
-      </p:sp>
-      <p:sp>
-        <p:nvSpPr>
-          <p:cNvPr id="54" name="TextBox 53">
+          <a:p>
+            <a:r>
+              <a:rPr lang="en-US" sz="2400">
+                <a:latin typeface="Swell Braille" pitchFamily="49"/>
+                <a:cs typeface="Arial" panose="020B0604020202020204" pitchFamily="34" charset="0"/>
+              </a:rPr>
+              <a:t>⠠⠉⠗⠑⠞⠁⠉⠑⠳⠎</a:t>
+            </a:r>
+          </a:p>
+        </p:txBody>
+      </p:sp>
+      <p:sp>
+        <p:nvSpPr>
+          <p:cNvPr id="26" name="TextBox 25">
             <a:extLst>
               <a:ext uri="{FF2B5EF4-FFF2-40B4-BE49-F238E27FC236}">
-                <a16:creationId xmlns:a16="http://schemas.microsoft.com/office/drawing/2014/main" id="{9059A34C-47FA-C143-A635-47CF289A6736}"/>
+                <a16:creationId xmlns:a16="http://schemas.microsoft.com/office/drawing/2014/main" id="{442F2037-A5FD-9142-B35B-E88AF70F9A2E}"/>
               </a:ext>
             </a:extLst>
           </p:cNvPr>
@@ -10984,45 +11055,7 @@
         </p:nvSpPr>
         <p:spPr>
           <a:xfrm>
-            <a:off x="1596627" y="1892810"/>
-            <a:ext cx="5001690" cy="461665"/>
-          </a:xfrm>
-          <a:prstGeom prst="rect">
-            <a:avLst/>
-          </a:prstGeom>
-          <a:noFill/>
-        </p:spPr>
-        <p:txBody>
-          <a:bodyPr wrap="none" rtlCol="0">
-            <a:spAutoFit/>
-          </a:bodyPr>
-          <a:lstStyle/>
-          <a:p>
-            <a:r>
-              <a:rPr lang="en-US" sz="2400">
-                <a:latin typeface="Swell Braille" pitchFamily="49"/>
-                <a:cs typeface="Arial" panose="020B0604020202020204" pitchFamily="34" charset="0"/>
-              </a:rPr>
-              <a:t>⠠⠞⠻⠞⠊⠜⠽⠀⠸⠌⠀⠠⠉⠗⠑⠞⠁⠉⠑⠳⠎</a:t>
-            </a:r>
-          </a:p>
-        </p:txBody>
-      </p:sp>
-      <p:sp>
-        <p:nvSpPr>
-          <p:cNvPr id="55" name="TextBox 54">
-            <a:extLst>
-              <a:ext uri="{FF2B5EF4-FFF2-40B4-BE49-F238E27FC236}">
-                <a16:creationId xmlns:a16="http://schemas.microsoft.com/office/drawing/2014/main" id="{92E5275E-DEC3-7047-A250-09CF5D5CE9E2}"/>
-              </a:ext>
-            </a:extLst>
-          </p:cNvPr>
-          <p:cNvSpPr txBox="1"/>
-          <p:nvPr/>
-        </p:nvSpPr>
-        <p:spPr>
-          <a:xfrm>
-            <a:off x="1596627" y="2657745"/>
+            <a:off x="1715088" y="1280509"/>
             <a:ext cx="3081293" cy="461665"/>
           </a:xfrm>
           <a:prstGeom prst="rect">
@@ -11048,10 +11081,10 @@
       </p:sp>
       <p:sp>
         <p:nvSpPr>
-          <p:cNvPr id="57" name="TextBox 56">
+          <p:cNvPr id="27" name="TextBox 26">
             <a:extLst>
               <a:ext uri="{FF2B5EF4-FFF2-40B4-BE49-F238E27FC236}">
-                <a16:creationId xmlns:a16="http://schemas.microsoft.com/office/drawing/2014/main" id="{EDD196A2-8B8C-3347-B2E2-612D2D2F8AC1}"/>
+                <a16:creationId xmlns:a16="http://schemas.microsoft.com/office/drawing/2014/main" id="{AA92F954-D0A4-A94D-8BDC-557069D3BF64}"/>
               </a:ext>
             </a:extLst>
           </p:cNvPr>
@@ -11060,7 +11093,7 @@
         </p:nvSpPr>
         <p:spPr>
           <a:xfrm>
-            <a:off x="1596627" y="3422680"/>
+            <a:off x="1715088" y="2045444"/>
             <a:ext cx="3438930" cy="461665"/>
           </a:xfrm>
           <a:prstGeom prst="rect">
@@ -11086,10 +11119,10 @@
       </p:sp>
       <p:sp>
         <p:nvSpPr>
-          <p:cNvPr id="61" name="TextBox 60">
+          <p:cNvPr id="28" name="TextBox 27">
             <a:extLst>
               <a:ext uri="{FF2B5EF4-FFF2-40B4-BE49-F238E27FC236}">
-                <a16:creationId xmlns:a16="http://schemas.microsoft.com/office/drawing/2014/main" id="{35935AC0-AE44-AF44-9E0B-F008177D8A99}"/>
+                <a16:creationId xmlns:a16="http://schemas.microsoft.com/office/drawing/2014/main" id="{403A8D4E-17F8-FD44-B104-1767A1D0CA50}"/>
               </a:ext>
             </a:extLst>
           </p:cNvPr>
@@ -11098,7 +11131,7 @@
         </p:nvSpPr>
         <p:spPr>
           <a:xfrm>
-            <a:off x="1596627" y="4187615"/>
+            <a:off x="1715088" y="2810379"/>
             <a:ext cx="2276585" cy="461665"/>
           </a:xfrm>
           <a:prstGeom prst="rect">
@@ -11124,10 +11157,10 @@
       </p:sp>
       <p:sp>
         <p:nvSpPr>
-          <p:cNvPr id="62" name="TextBox 61">
+          <p:cNvPr id="40" name="TextBox 39">
             <a:extLst>
               <a:ext uri="{FF2B5EF4-FFF2-40B4-BE49-F238E27FC236}">
-                <a16:creationId xmlns:a16="http://schemas.microsoft.com/office/drawing/2014/main" id="{F6FADCA2-3B57-904A-9A0A-DDE2FF17E215}"/>
+                <a16:creationId xmlns:a16="http://schemas.microsoft.com/office/drawing/2014/main" id="{8952B9C0-E567-CF49-BA4C-C0BAC1512E50}"/>
               </a:ext>
             </a:extLst>
           </p:cNvPr>
@@ -11136,7 +11169,7 @@
         </p:nvSpPr>
         <p:spPr>
           <a:xfrm>
-            <a:off x="1596627" y="4952550"/>
+            <a:off x="1715088" y="3575314"/>
             <a:ext cx="2276585" cy="461665"/>
           </a:xfrm>
           <a:prstGeom prst="rect">
@@ -11162,10 +11195,10 @@
       </p:sp>
       <p:sp>
         <p:nvSpPr>
-          <p:cNvPr id="63" name="TextBox 62">
+          <p:cNvPr id="45" name="TextBox 44">
             <a:extLst>
               <a:ext uri="{FF2B5EF4-FFF2-40B4-BE49-F238E27FC236}">
-                <a16:creationId xmlns:a16="http://schemas.microsoft.com/office/drawing/2014/main" id="{A134BB1E-21D4-8341-94CF-47D1C4D92778}"/>
+                <a16:creationId xmlns:a16="http://schemas.microsoft.com/office/drawing/2014/main" id="{B8A822D8-89A4-584C-AF0E-D8F2F0D28306}"/>
               </a:ext>
             </a:extLst>
           </p:cNvPr>
@@ -11174,7 +11207,7 @@
         </p:nvSpPr>
         <p:spPr>
           <a:xfrm>
-            <a:off x="1596627" y="5717484"/>
+            <a:off x="1715088" y="4340248"/>
             <a:ext cx="2635658" cy="461665"/>
           </a:xfrm>
           <a:prstGeom prst="rect">
@@ -11200,10 +11233,10 @@
       </p:sp>
       <p:sp>
         <p:nvSpPr>
-          <p:cNvPr id="19" name="Rectangle 18">
+          <p:cNvPr id="46" name="Rectangle 45">
             <a:extLst>
               <a:ext uri="{FF2B5EF4-FFF2-40B4-BE49-F238E27FC236}">
-                <a16:creationId xmlns:a16="http://schemas.microsoft.com/office/drawing/2014/main" id="{DC010B9C-4D70-C845-974E-DC3D5A9948AE}"/>
+                <a16:creationId xmlns:a16="http://schemas.microsoft.com/office/drawing/2014/main" id="{C58B2AD3-545F-A84A-8337-B012ADEBDE25}"/>
               </a:ext>
             </a:extLst>
           </p:cNvPr>
@@ -11212,13 +11245,121 @@
         </p:nvSpPr>
         <p:spPr>
           <a:xfrm>
-            <a:off x="5340115" y="4292863"/>
-            <a:ext cx="914400" cy="605790"/>
+            <a:off x="1763550" y="5141634"/>
+            <a:ext cx="2276585" cy="461665"/>
           </a:xfrm>
           <a:prstGeom prst="rect">
             <a:avLst/>
           </a:prstGeom>
-          <a:pattFill prst="ltVert">
+        </p:spPr>
+        <p:txBody>
+          <a:bodyPr wrap="none">
+            <a:spAutoFit/>
+          </a:bodyPr>
+          <a:lstStyle/>
+          <a:p>
+            <a:r>
+              <a:rPr lang="en-US" sz="2400">
+                <a:latin typeface="Swell Braille" pitchFamily="49"/>
+              </a:rPr>
+              <a:t>⠠⠉⠁⠍⠃⠗⠊⠁⠝</a:t>
+            </a:r>
+          </a:p>
+        </p:txBody>
+      </p:sp>
+      <p:sp>
+        <p:nvSpPr>
+          <p:cNvPr id="48" name="Rectangle 47">
+            <a:extLst>
+              <a:ext uri="{FF2B5EF4-FFF2-40B4-BE49-F238E27FC236}">
+                <a16:creationId xmlns:a16="http://schemas.microsoft.com/office/drawing/2014/main" id="{419B4975-7E17-2445-AF5F-CC7F3FF588CE}"/>
+              </a:ext>
+            </a:extLst>
+          </p:cNvPr>
+          <p:cNvSpPr/>
+          <p:nvPr/>
+        </p:nvSpPr>
+        <p:spPr>
+          <a:xfrm>
+            <a:off x="1713929" y="5895396"/>
+            <a:ext cx="2858475" cy="461665"/>
+          </a:xfrm>
+          <a:prstGeom prst="rect">
+            <a:avLst/>
+          </a:prstGeom>
+        </p:spPr>
+        <p:txBody>
+          <a:bodyPr wrap="none">
+            <a:spAutoFit/>
+          </a:bodyPr>
+          <a:lstStyle/>
+          <a:p>
+            <a:r>
+              <a:rPr lang="en-US" sz="2400">
+                <a:latin typeface="Swell Braille" pitchFamily="49"/>
+              </a:rPr>
+              <a:t>⠠⠏⠗⠑⠉⠁⠍⠃⠗⠊⠁⠝</a:t>
+            </a:r>
+          </a:p>
+        </p:txBody>
+      </p:sp>
+      <p:sp>
+        <p:nvSpPr>
+          <p:cNvPr id="2" name="Rectangle 1">
+            <a:extLst>
+              <a:ext uri="{FF2B5EF4-FFF2-40B4-BE49-F238E27FC236}">
+                <a16:creationId xmlns:a16="http://schemas.microsoft.com/office/drawing/2014/main" id="{51DEB4D3-4C07-B945-A1CE-C7DE9501C126}"/>
+              </a:ext>
+            </a:extLst>
+          </p:cNvPr>
+          <p:cNvSpPr/>
+          <p:nvPr/>
+        </p:nvSpPr>
+        <p:spPr>
+          <a:xfrm>
+            <a:off x="5789095" y="292412"/>
+            <a:ext cx="1579278" cy="461665"/>
+          </a:xfrm>
+          <a:prstGeom prst="rect">
+            <a:avLst/>
+          </a:prstGeom>
+        </p:spPr>
+        <p:txBody>
+          <a:bodyPr wrap="none">
+            <a:spAutoFit/>
+          </a:bodyPr>
+          <a:lstStyle/>
+          <a:p>
+            <a:r>
+              <a:rPr lang="en-US" sz="2400">
+                <a:latin typeface="Swell Braille" pitchFamily="49"/>
+              </a:rPr>
+              <a:t>⠠⠇⠑⠛⠢⠙</a:t>
+            </a:r>
+          </a:p>
+        </p:txBody>
+      </p:sp>
+      <p:sp>
+        <p:nvSpPr>
+          <p:cNvPr id="50" name="Rectangle 49">
+            <a:extLst>
+              <a:ext uri="{FF2B5EF4-FFF2-40B4-BE49-F238E27FC236}">
+                <a16:creationId xmlns:a16="http://schemas.microsoft.com/office/drawing/2014/main" id="{A2967A75-EFAF-4D4F-B4E8-45E50D5E0F76}"/>
+              </a:ext>
+            </a:extLst>
+          </p:cNvPr>
+          <p:cNvSpPr/>
+          <p:nvPr/>
+        </p:nvSpPr>
+        <p:spPr>
+          <a:xfrm>
+            <a:off x="686566" y="5871641"/>
+            <a:ext cx="914400" cy="605790"/>
+          </a:xfrm>
+          <a:prstGeom prst="rect">
+            <a:avLst/>
+          </a:prstGeom>
+          <a:pattFill prst="solidDmnd">
             <a:fgClr>
               <a:schemeClr val="tx1"/>
             </a:fgClr>
@@ -11259,10 +11400,10 @@
       </p:sp>
       <p:sp>
         <p:nvSpPr>
-          <p:cNvPr id="20" name="Rectangle 19">
+          <p:cNvPr id="51" name="Rectangle 50">
             <a:extLst>
               <a:ext uri="{FF2B5EF4-FFF2-40B4-BE49-F238E27FC236}">
-                <a16:creationId xmlns:a16="http://schemas.microsoft.com/office/drawing/2014/main" id="{3C2A937B-C9B6-844A-9A21-F5269426AB7F}"/>
+                <a16:creationId xmlns:a16="http://schemas.microsoft.com/office/drawing/2014/main" id="{06E6C734-E46B-AB43-8843-A67B7BA9D566}"/>
               </a:ext>
             </a:extLst>
           </p:cNvPr>
@@ -11271,13 +11412,13 @@
         </p:nvSpPr>
         <p:spPr>
           <a:xfrm>
-            <a:off x="5340115" y="5063118"/>
+            <a:off x="696506" y="5101331"/>
             <a:ext cx="914400" cy="605790"/>
           </a:xfrm>
           <a:prstGeom prst="rect">
             <a:avLst/>
           </a:prstGeom>
-          <a:pattFill prst="lgCheck">
+          <a:pattFill prst="wdDnDiag">
             <a:fgClr>
               <a:schemeClr val="tx1"/>
             </a:fgClr>
@@ -11316,185 +11457,10 @@
           </a:p>
         </p:txBody>
       </p:sp>
-      <p:sp>
-        <p:nvSpPr>
-          <p:cNvPr id="21" name="TextBox 20">
-            <a:extLst>
-              <a:ext uri="{FF2B5EF4-FFF2-40B4-BE49-F238E27FC236}">
-                <a16:creationId xmlns:a16="http://schemas.microsoft.com/office/drawing/2014/main" id="{A9621938-C3E2-A948-9796-0404BF103B36}"/>
-              </a:ext>
-            </a:extLst>
-          </p:cNvPr>
-          <p:cNvSpPr txBox="1"/>
-          <p:nvPr/>
-        </p:nvSpPr>
-        <p:spPr>
-          <a:xfrm>
-            <a:off x="6307157" y="4320711"/>
-            <a:ext cx="2276585" cy="461665"/>
-          </a:xfrm>
-          <a:prstGeom prst="rect">
-            <a:avLst/>
-          </a:prstGeom>
-          <a:noFill/>
-        </p:spPr>
-        <p:txBody>
-          <a:bodyPr wrap="none" rtlCol="0">
-            <a:spAutoFit/>
-          </a:bodyPr>
-          <a:lstStyle/>
-          <a:p>
-            <a:r>
-              <a:rPr lang="en-US" sz="2400">
-                <a:latin typeface="Swell Braille" pitchFamily="49"/>
-                <a:cs typeface="Arial" panose="020B0604020202020204" pitchFamily="34" charset="0"/>
-              </a:rPr>
-              <a:t>⠠⠉⠁⠍⠃⠗⠊⠁⠝</a:t>
-            </a:r>
-          </a:p>
-        </p:txBody>
-      </p:sp>
-      <p:sp>
-        <p:nvSpPr>
-          <p:cNvPr id="22" name="TextBox 21">
-            <a:extLst>
-              <a:ext uri="{FF2B5EF4-FFF2-40B4-BE49-F238E27FC236}">
-                <a16:creationId xmlns:a16="http://schemas.microsoft.com/office/drawing/2014/main" id="{DD4A4631-A302-414F-958F-5CE87FEB2E43}"/>
-              </a:ext>
-            </a:extLst>
-          </p:cNvPr>
-          <p:cNvSpPr txBox="1"/>
-          <p:nvPr/>
-        </p:nvSpPr>
-        <p:spPr>
-          <a:xfrm>
-            <a:off x="6207765" y="5126893"/>
-            <a:ext cx="2858475" cy="461665"/>
-          </a:xfrm>
-          <a:prstGeom prst="rect">
-            <a:avLst/>
-          </a:prstGeom>
-          <a:noFill/>
-        </p:spPr>
-        <p:txBody>
-          <a:bodyPr wrap="none" rtlCol="0">
-            <a:spAutoFit/>
-          </a:bodyPr>
-          <a:lstStyle/>
-          <a:p>
-            <a:r>
-              <a:rPr lang="en-US" sz="2400">
-                <a:latin typeface="Swell Braille" pitchFamily="49"/>
-                <a:cs typeface="Arial" panose="020B0604020202020204" pitchFamily="34" charset="0"/>
-              </a:rPr>
-              <a:t>⠠⠏⠗⠑⠉⠁⠍⠃⠗⠊⠁⠝</a:t>
-            </a:r>
-          </a:p>
-        </p:txBody>
-      </p:sp>
-      <p:sp>
-        <p:nvSpPr>
-          <p:cNvPr id="23" name="TextBox 22">
-            <a:extLst>
-              <a:ext uri="{FF2B5EF4-FFF2-40B4-BE49-F238E27FC236}">
-                <a16:creationId xmlns:a16="http://schemas.microsoft.com/office/drawing/2014/main" id="{82C10DEA-3176-C148-A1E0-A1C1FC2BB3C0}"/>
-              </a:ext>
-            </a:extLst>
-          </p:cNvPr>
-          <p:cNvSpPr txBox="1"/>
-          <p:nvPr/>
-        </p:nvSpPr>
-        <p:spPr>
-          <a:xfrm>
-            <a:off x="5763563" y="3286960"/>
-            <a:ext cx="3081293" cy="830997"/>
-          </a:xfrm>
-          <a:prstGeom prst="rect">
-            <a:avLst/>
-          </a:prstGeom>
-          <a:noFill/>
-        </p:spPr>
-        <p:txBody>
-          <a:bodyPr wrap="none" rtlCol="0">
-            <a:spAutoFit/>
-          </a:bodyPr>
-          <a:lstStyle/>
-          <a:p>
-            <a:r>
-              <a:rPr lang="en-US" sz="2400">
-                <a:latin typeface="Swell Braille" pitchFamily="49"/>
-                <a:cs typeface="Arial" panose="020B0604020202020204" pitchFamily="34" charset="0"/>
-              </a:rPr>
-              <a:t>⠠⠃⠥⠗⠊⠫⠀⠐⠣⠙⠀⠝⠀</a:t>
-            </a:r>
-          </a:p>
-          <a:p>
-            <a:r>
-              <a:rPr lang="en-US" sz="2400">
-                <a:latin typeface="Swell Braille" pitchFamily="49"/>
-                <a:cs typeface="Arial" panose="020B0604020202020204" pitchFamily="34" charset="0"/>
-              </a:rPr>
-              <a:t>⠳⠞⠉⠗⠕⠏⠐⠜</a:t>
-            </a:r>
-          </a:p>
-        </p:txBody>
-      </p:sp>
-      <p:sp>
-        <p:nvSpPr>
-          <p:cNvPr id="2" name="Rectangle 1">
-            <a:extLst>
-              <a:ext uri="{FF2B5EF4-FFF2-40B4-BE49-F238E27FC236}">
-                <a16:creationId xmlns:a16="http://schemas.microsoft.com/office/drawing/2014/main" id="{1F499D38-9C82-9C44-A7F3-1AED1D6B3E06}"/>
-              </a:ext>
-            </a:extLst>
-          </p:cNvPr>
-          <p:cNvSpPr/>
-          <p:nvPr/>
-        </p:nvSpPr>
-        <p:spPr>
-          <a:xfrm>
-            <a:off x="5098774" y="3252486"/>
-            <a:ext cx="3906330" cy="2720051"/>
-          </a:xfrm>
-          <a:prstGeom prst="rect">
-            <a:avLst/>
-          </a:prstGeom>
-          <a:noFill/>
-          <a:ln w="22225">
-            <a:solidFill>
-              <a:schemeClr val="tx1"/>
-            </a:solidFill>
-          </a:ln>
-        </p:spPr>
-        <p:style>
-          <a:lnRef idx="2">
-            <a:schemeClr val="accent1">
-              <a:shade val="50000"/>
-            </a:schemeClr>
-          </a:lnRef>
-          <a:fillRef idx="1">
-            <a:schemeClr val="accent1"/>
-          </a:fillRef>
-          <a:effectRef idx="0">
-            <a:schemeClr val="accent1"/>
-          </a:effectRef>
-          <a:fontRef idx="minor">
-            <a:schemeClr val="lt1"/>
-          </a:fontRef>
-        </p:style>
-        <p:txBody>
-          <a:bodyPr rtlCol="0" anchor="ctr"/>
-          <a:lstStyle/>
-          <a:p>
-            <a:pPr algn="ctr"/>
-            <a:endParaRPr lang="en-US"/>
-          </a:p>
-        </p:txBody>
-      </p:sp>
     </p:spTree>
     <p:extLst>
       <p:ext uri="{BB962C8B-B14F-4D97-AF65-F5344CB8AC3E}">
-        <p14:creationId xmlns:p14="http://schemas.microsoft.com/office/powerpoint/2010/main" val="629460206"/>
+        <p14:creationId xmlns:p14="http://schemas.microsoft.com/office/powerpoint/2010/main" val="1027909731"/>
       </p:ext>
     </p:extLst>
   </p:cSld>
@@ -11521,12 +11487,165 @@
           <a:chExt cx="0" cy="0"/>
         </a:xfrm>
       </p:grpSpPr>
-      <p:sp>
-        <p:nvSpPr>
-          <p:cNvPr id="35" name="Freeform 34">
+      <p:cxnSp>
+        <p:nvCxnSpPr>
+          <p:cNvPr id="26" name="Straight Connector 25">
             <a:extLst>
               <a:ext uri="{FF2B5EF4-FFF2-40B4-BE49-F238E27FC236}">
-                <a16:creationId xmlns:a16="http://schemas.microsoft.com/office/drawing/2014/main" id="{22794705-301B-9440-9505-529DCD5FBCBF}"/>
+                <a16:creationId xmlns:a16="http://schemas.microsoft.com/office/drawing/2014/main" id="{61AE68C3-CE5F-2543-BAE8-AA49321C27E1}"/>
+              </a:ext>
+            </a:extLst>
+          </p:cNvPr>
+          <p:cNvCxnSpPr>
+            <a:cxnSpLocks/>
+          </p:cNvCxnSpPr>
+          <p:nvPr/>
+        </p:nvCxnSpPr>
+        <p:spPr>
+          <a:xfrm>
+            <a:off x="7723629" y="641883"/>
+            <a:ext cx="466214" cy="858926"/>
+          </a:xfrm>
+          <a:prstGeom prst="line">
+            <a:avLst/>
+          </a:prstGeom>
+          <a:ln w="22225">
+            <a:solidFill>
+              <a:schemeClr val="tx1"/>
+            </a:solidFill>
+          </a:ln>
+        </p:spPr>
+        <p:style>
+          <a:lnRef idx="1">
+            <a:schemeClr val="accent1"/>
+          </a:lnRef>
+          <a:fillRef idx="0">
+            <a:schemeClr val="accent1"/>
+          </a:fillRef>
+          <a:effectRef idx="0">
+            <a:schemeClr val="accent1"/>
+          </a:effectRef>
+          <a:fontRef idx="minor">
+            <a:schemeClr val="tx1"/>
+          </a:fontRef>
+        </p:style>
+      </p:cxnSp>
+      <p:cxnSp>
+        <p:nvCxnSpPr>
+          <p:cNvPr id="15" name="Straight Connector 14">
+            <a:extLst>
+              <a:ext uri="{FF2B5EF4-FFF2-40B4-BE49-F238E27FC236}">
+                <a16:creationId xmlns:a16="http://schemas.microsoft.com/office/drawing/2014/main" id="{B666D61A-B61C-1A47-AD65-999C2D182A10}"/>
+              </a:ext>
+            </a:extLst>
+          </p:cNvPr>
+          <p:cNvCxnSpPr/>
+          <p:nvPr/>
+        </p:nvCxnSpPr>
+        <p:spPr>
+          <a:xfrm>
+            <a:off x="8476077" y="49533"/>
+            <a:ext cx="608575" cy="608576"/>
+          </a:xfrm>
+          <a:prstGeom prst="line">
+            <a:avLst/>
+          </a:prstGeom>
+          <a:ln>
+            <a:solidFill>
+              <a:schemeClr val="tx1"/>
+            </a:solidFill>
+            <a:prstDash val="dash"/>
+          </a:ln>
+        </p:spPr>
+        <p:style>
+          <a:lnRef idx="1">
+            <a:schemeClr val="accent1"/>
+          </a:lnRef>
+          <a:fillRef idx="0">
+            <a:schemeClr val="accent1"/>
+          </a:fillRef>
+          <a:effectRef idx="0">
+            <a:schemeClr val="accent1"/>
+          </a:effectRef>
+          <a:fontRef idx="minor">
+            <a:schemeClr val="tx1"/>
+          </a:fontRef>
+        </p:style>
+      </p:cxnSp>
+      <p:sp>
+        <p:nvSpPr>
+          <p:cNvPr id="16" name="TextBox 15">
+            <a:extLst>
+              <a:ext uri="{FF2B5EF4-FFF2-40B4-BE49-F238E27FC236}">
+                <a16:creationId xmlns:a16="http://schemas.microsoft.com/office/drawing/2014/main" id="{9E9AD2B1-1D47-BB4F-BBE4-1717862B1B22}"/>
+              </a:ext>
+            </a:extLst>
+          </p:cNvPr>
+          <p:cNvSpPr txBox="1"/>
+          <p:nvPr/>
+        </p:nvSpPr>
+        <p:spPr>
+          <a:xfrm rot="13228796" flipH="1">
+            <a:off x="8604305" y="164291"/>
+            <a:ext cx="380261" cy="369332"/>
+          </a:xfrm>
+          <a:prstGeom prst="rect">
+            <a:avLst/>
+          </a:prstGeom>
+          <a:noFill/>
+        </p:spPr>
+        <p:txBody>
+          <a:bodyPr wrap="square" rtlCol="0">
+            <a:spAutoFit/>
+          </a:bodyPr>
+          <a:lstStyle/>
+          <a:p>
+            <a:r>
+              <a:rPr lang="en-US">
+                <a:latin typeface="Arial" panose="020B0604020202020204" pitchFamily="34" charset="0"/>
+                <a:cs typeface="Arial" panose="020B0604020202020204" pitchFamily="34" charset="0"/>
+              </a:rPr>
+              <a:t>✄ </a:t>
+            </a:r>
+          </a:p>
+        </p:txBody>
+      </p:sp>
+      <p:pic>
+        <p:nvPicPr>
+          <p:cNvPr id="19" name="Picture 18" descr="A close up of a logo&#10;&#10;Description automatically generated">
+            <a:extLst>
+              <a:ext uri="{FF2B5EF4-FFF2-40B4-BE49-F238E27FC236}">
+                <a16:creationId xmlns:a16="http://schemas.microsoft.com/office/drawing/2014/main" id="{32FB77FC-C0E0-BF4C-87EA-4A6945B17166}"/>
+              </a:ext>
+            </a:extLst>
+          </p:cNvPr>
+          <p:cNvPicPr>
+            <a:picLocks noChangeAspect="1"/>
+          </p:cNvPicPr>
+          <p:nvPr/>
+        </p:nvPicPr>
+        <p:blipFill>
+          <a:blip r:embed="rId2"/>
+          <a:stretch>
+            <a:fillRect/>
+          </a:stretch>
+        </p:blipFill>
+        <p:spPr>
+          <a:xfrm>
+            <a:off x="6145618" y="454081"/>
+            <a:ext cx="2567213" cy="1135782"/>
+          </a:xfrm>
+          <a:prstGeom prst="rect">
+            <a:avLst/>
+          </a:prstGeom>
+        </p:spPr>
+      </p:pic>
+      <p:sp>
+        <p:nvSpPr>
+          <p:cNvPr id="28" name="Freeform 27">
+            <a:extLst>
+              <a:ext uri="{FF2B5EF4-FFF2-40B4-BE49-F238E27FC236}">
+                <a16:creationId xmlns:a16="http://schemas.microsoft.com/office/drawing/2014/main" id="{9D41F587-9AEA-5D48-93D4-F121FA889E0F}"/>
               </a:ext>
             </a:extLst>
           </p:cNvPr>
@@ -11535,7 +11654,7 @@
         </p:nvSpPr>
         <p:spPr>
           <a:xfrm>
-            <a:off x="4688457" y="3769743"/>
+            <a:off x="4603397" y="4471492"/>
             <a:ext cx="3674852" cy="905256"/>
           </a:xfrm>
           <a:custGeom>
@@ -11688,14 +11807,9 @@
               </a:path>
             </a:pathLst>
           </a:custGeom>
-          <a:pattFill prst="lgConfetti">
-            <a:fgClr>
-              <a:schemeClr val="tx1"/>
-            </a:fgClr>
-            <a:bgClr>
-              <a:schemeClr val="bg1"/>
-            </a:bgClr>
-          </a:pattFill>
+          <a:solidFill>
+            <a:schemeClr val="bg1"/>
+          </a:solidFill>
           <a:ln>
             <a:noFill/>
           </a:ln>
@@ -11721,18 +11835,16 @@
           <a:lstStyle/>
           <a:p>
             <a:pPr algn="ctr"/>
-            <a:endParaRPr lang="en-US">
-              <a:latin typeface="Swell Braille" pitchFamily="49"/>
-            </a:endParaRPr>
-          </a:p>
-        </p:txBody>
-      </p:sp>
-      <p:sp>
-        <p:nvSpPr>
-          <p:cNvPr id="9" name="Freeform 8">
+            <a:endParaRPr lang="en-US"/>
+          </a:p>
+        </p:txBody>
+      </p:sp>
+      <p:sp>
+        <p:nvSpPr>
+          <p:cNvPr id="29" name="Freeform 28">
             <a:extLst>
               <a:ext uri="{FF2B5EF4-FFF2-40B4-BE49-F238E27FC236}">
-                <a16:creationId xmlns:a16="http://schemas.microsoft.com/office/drawing/2014/main" id="{2C494F05-D164-A946-82F9-B283C0E43018}"/>
+                <a16:creationId xmlns:a16="http://schemas.microsoft.com/office/drawing/2014/main" id="{A8B56957-637F-634F-9FAE-FC15AE754070}"/>
               </a:ext>
             </a:extLst>
           </p:cNvPr>
@@ -11741,7 +11853,7 @@
         </p:nvSpPr>
         <p:spPr>
           <a:xfrm>
-            <a:off x="4919072" y="3744368"/>
+            <a:off x="4834012" y="4446117"/>
             <a:ext cx="3450692" cy="854330"/>
           </a:xfrm>
           <a:custGeom>
@@ -11922,18 +12034,16 @@
           <a:lstStyle/>
           <a:p>
             <a:pPr algn="ctr"/>
-            <a:endParaRPr lang="en-US">
-              <a:latin typeface="Swell Braille" pitchFamily="49"/>
-            </a:endParaRPr>
-          </a:p>
-        </p:txBody>
-      </p:sp>
-      <p:sp>
-        <p:nvSpPr>
-          <p:cNvPr id="8" name="Freeform 7">
+            <a:endParaRPr lang="en-US"/>
+          </a:p>
+        </p:txBody>
+      </p:sp>
+      <p:sp>
+        <p:nvSpPr>
+          <p:cNvPr id="31" name="Freeform 30">
             <a:extLst>
               <a:ext uri="{FF2B5EF4-FFF2-40B4-BE49-F238E27FC236}">
-                <a16:creationId xmlns:a16="http://schemas.microsoft.com/office/drawing/2014/main" id="{C68CC3E0-DCF1-5344-9C1C-78BB46B95FCC}"/>
+                <a16:creationId xmlns:a16="http://schemas.microsoft.com/office/drawing/2014/main" id="{8BBEC3F5-B516-C349-8EDB-3C01D38CFD91}"/>
               </a:ext>
             </a:extLst>
           </p:cNvPr>
@@ -11942,7 +12052,7 @@
         </p:nvSpPr>
         <p:spPr>
           <a:xfrm>
-            <a:off x="7762388" y="3644251"/>
+            <a:off x="7677328" y="4346000"/>
             <a:ext cx="627399" cy="767562"/>
           </a:xfrm>
           <a:custGeom>
@@ -12067,18 +12177,16 @@
           <a:lstStyle/>
           <a:p>
             <a:pPr algn="ctr"/>
-            <a:endParaRPr lang="en-US">
-              <a:latin typeface="Swell Braille" pitchFamily="49"/>
-            </a:endParaRPr>
-          </a:p>
-        </p:txBody>
-      </p:sp>
-      <p:sp>
-        <p:nvSpPr>
-          <p:cNvPr id="7" name="Freeform 6">
+            <a:endParaRPr lang="en-US"/>
+          </a:p>
+        </p:txBody>
+      </p:sp>
+      <p:sp>
+        <p:nvSpPr>
+          <p:cNvPr id="32" name="Freeform 31">
             <a:extLst>
               <a:ext uri="{FF2B5EF4-FFF2-40B4-BE49-F238E27FC236}">
-                <a16:creationId xmlns:a16="http://schemas.microsoft.com/office/drawing/2014/main" id="{032983F4-D7AB-004E-837A-8E92574A3BE5}"/>
+                <a16:creationId xmlns:a16="http://schemas.microsoft.com/office/drawing/2014/main" id="{9507A69B-D2A8-3B44-93E4-A41862D35C41}"/>
               </a:ext>
             </a:extLst>
           </p:cNvPr>
@@ -12087,7 +12195,7 @@
         </p:nvSpPr>
         <p:spPr>
           <a:xfrm>
-            <a:off x="5159352" y="3717670"/>
+            <a:off x="5074292" y="4419419"/>
             <a:ext cx="3030201" cy="658368"/>
           </a:xfrm>
           <a:custGeom>
@@ -12233,18 +12341,16 @@
           <a:lstStyle/>
           <a:p>
             <a:pPr algn="ctr"/>
-            <a:endParaRPr lang="en-US">
-              <a:latin typeface="Swell Braille" pitchFamily="49"/>
-            </a:endParaRPr>
-          </a:p>
-        </p:txBody>
-      </p:sp>
-      <p:sp>
-        <p:nvSpPr>
-          <p:cNvPr id="6" name="Freeform 5">
+            <a:endParaRPr lang="en-US"/>
+          </a:p>
+        </p:txBody>
+      </p:sp>
+      <p:sp>
+        <p:nvSpPr>
+          <p:cNvPr id="33" name="Freeform 32">
             <a:extLst>
               <a:ext uri="{FF2B5EF4-FFF2-40B4-BE49-F238E27FC236}">
-                <a16:creationId xmlns:a16="http://schemas.microsoft.com/office/drawing/2014/main" id="{00ED2C64-E5BB-304F-894B-726BCD4094E4}"/>
+                <a16:creationId xmlns:a16="http://schemas.microsoft.com/office/drawing/2014/main" id="{7E3ED026-A4F8-9342-94E8-C256A8B98F75}"/>
               </a:ext>
             </a:extLst>
           </p:cNvPr>
@@ -12253,7 +12359,7 @@
         </p:nvSpPr>
         <p:spPr>
           <a:xfrm>
-            <a:off x="7789086" y="3590854"/>
+            <a:off x="7704026" y="4292603"/>
             <a:ext cx="587352" cy="749808"/>
           </a:xfrm>
           <a:custGeom>
@@ -12383,18 +12489,16 @@
           <a:lstStyle/>
           <a:p>
             <a:pPr algn="ctr"/>
-            <a:endParaRPr lang="en-US">
-              <a:latin typeface="Swell Braille" pitchFamily="49"/>
-            </a:endParaRPr>
-          </a:p>
-        </p:txBody>
-      </p:sp>
-      <p:sp>
-        <p:nvSpPr>
-          <p:cNvPr id="5" name="Freeform 4">
+            <a:endParaRPr lang="en-US"/>
+          </a:p>
+        </p:txBody>
+      </p:sp>
+      <p:sp>
+        <p:nvSpPr>
+          <p:cNvPr id="36" name="Freeform 35">
             <a:extLst>
               <a:ext uri="{FF2B5EF4-FFF2-40B4-BE49-F238E27FC236}">
-                <a16:creationId xmlns:a16="http://schemas.microsoft.com/office/drawing/2014/main" id="{70C9F5C5-76B6-1F42-ABE9-3246B2A896BF}"/>
+                <a16:creationId xmlns:a16="http://schemas.microsoft.com/office/drawing/2014/main" id="{67B4B240-7FDB-364B-B52F-5B83C19CE36C}"/>
               </a:ext>
             </a:extLst>
           </p:cNvPr>
@@ -12403,7 +12507,7 @@
         </p:nvSpPr>
         <p:spPr>
           <a:xfrm>
-            <a:off x="5146003" y="3664274"/>
+            <a:off x="5060943" y="4366023"/>
             <a:ext cx="2896712" cy="585216"/>
           </a:xfrm>
           <a:custGeom>
@@ -12749,18 +12853,16 @@
           <a:lstStyle/>
           <a:p>
             <a:pPr algn="ctr"/>
-            <a:endParaRPr lang="en-US">
-              <a:latin typeface="Swell Braille" pitchFamily="49"/>
-            </a:endParaRPr>
-          </a:p>
-        </p:txBody>
-      </p:sp>
-      <p:sp>
-        <p:nvSpPr>
-          <p:cNvPr id="4" name="Freeform 3">
+            <a:endParaRPr lang="en-US"/>
+          </a:p>
+        </p:txBody>
+      </p:sp>
+      <p:sp>
+        <p:nvSpPr>
+          <p:cNvPr id="37" name="Freeform 36">
             <a:extLst>
               <a:ext uri="{FF2B5EF4-FFF2-40B4-BE49-F238E27FC236}">
-                <a16:creationId xmlns:a16="http://schemas.microsoft.com/office/drawing/2014/main" id="{44D0C32E-ED50-D04C-9E69-C7D1D94E8155}"/>
+                <a16:creationId xmlns:a16="http://schemas.microsoft.com/office/drawing/2014/main" id="{13C257D7-89E1-8441-ACF5-BAD780249B5F}"/>
               </a:ext>
             </a:extLst>
           </p:cNvPr>
@@ -12769,7 +12871,7 @@
         </p:nvSpPr>
         <p:spPr>
           <a:xfrm>
-            <a:off x="7835807" y="3577507"/>
+            <a:off x="7750747" y="4279256"/>
             <a:ext cx="533957" cy="630936"/>
           </a:xfrm>
           <a:custGeom>
@@ -12907,18 +13009,16 @@
           <a:lstStyle/>
           <a:p>
             <a:pPr algn="ctr"/>
-            <a:endParaRPr lang="en-US">
-              <a:latin typeface="Swell Braille" pitchFamily="49"/>
-            </a:endParaRPr>
-          </a:p>
-        </p:txBody>
-      </p:sp>
-      <p:sp>
-        <p:nvSpPr>
-          <p:cNvPr id="3" name="Freeform 2">
+            <a:endParaRPr lang="en-US"/>
+          </a:p>
+        </p:txBody>
+      </p:sp>
+      <p:sp>
+        <p:nvSpPr>
+          <p:cNvPr id="38" name="Freeform 37">
             <a:extLst>
               <a:ext uri="{FF2B5EF4-FFF2-40B4-BE49-F238E27FC236}">
-                <a16:creationId xmlns:a16="http://schemas.microsoft.com/office/drawing/2014/main" id="{158953AD-EAF0-BC40-85DB-1E5AFD199C1F}"/>
+                <a16:creationId xmlns:a16="http://schemas.microsoft.com/office/drawing/2014/main" id="{4093F9C1-E3F0-7542-82E5-262C737F944C}"/>
               </a:ext>
             </a:extLst>
           </p:cNvPr>
@@ -12927,7 +13027,7 @@
         </p:nvSpPr>
         <p:spPr>
           <a:xfrm>
-            <a:off x="974470" y="4343400"/>
+            <a:off x="889410" y="5045149"/>
             <a:ext cx="4298348" cy="347472"/>
           </a:xfrm>
           <a:custGeom>
@@ -13048,7 +13148,7 @@
               </a:path>
             </a:pathLst>
           </a:custGeom>
-          <a:pattFill prst="ltVert">
+          <a:pattFill prst="wdDnDiag">
             <a:fgClr>
               <a:schemeClr val="tx1"/>
             </a:fgClr>
@@ -13081,18 +13181,16 @@
           <a:lstStyle/>
           <a:p>
             <a:pPr algn="ctr"/>
-            <a:endParaRPr lang="en-US">
-              <a:latin typeface="Swell Braille" pitchFamily="49"/>
-            </a:endParaRPr>
-          </a:p>
-        </p:txBody>
-      </p:sp>
-      <p:sp>
-        <p:nvSpPr>
-          <p:cNvPr id="2" name="Freeform 1">
+            <a:endParaRPr lang="en-US"/>
+          </a:p>
+        </p:txBody>
+      </p:sp>
+      <p:sp>
+        <p:nvSpPr>
+          <p:cNvPr id="39" name="Freeform 38">
             <a:extLst>
               <a:ext uri="{FF2B5EF4-FFF2-40B4-BE49-F238E27FC236}">
-                <a16:creationId xmlns:a16="http://schemas.microsoft.com/office/drawing/2014/main" id="{9326899A-DBB7-5041-BA1C-C56EE1EB360D}"/>
+                <a16:creationId xmlns:a16="http://schemas.microsoft.com/office/drawing/2014/main" id="{69884139-D426-9145-8D31-20C014C8904A}"/>
               </a:ext>
             </a:extLst>
           </p:cNvPr>
@@ -13101,7 +13199,7 @@
         </p:nvSpPr>
         <p:spPr>
           <a:xfrm>
-            <a:off x="955651" y="3760728"/>
+            <a:off x="870591" y="4462477"/>
             <a:ext cx="7308325" cy="932688"/>
           </a:xfrm>
           <a:custGeom>
@@ -13487,18 +13585,16 @@
           <a:lstStyle/>
           <a:p>
             <a:pPr algn="ctr"/>
-            <a:endParaRPr lang="en-US">
-              <a:latin typeface="Swell Braille" pitchFamily="49"/>
-            </a:endParaRPr>
+            <a:endParaRPr lang="en-US"/>
           </a:p>
         </p:txBody>
       </p:sp>
       <p:pic>
         <p:nvPicPr>
-          <p:cNvPr id="21" name="Picture 20" descr="A close up of a logo&#10;&#10;Description automatically generated">
+          <p:cNvPr id="40" name="Picture 39" descr="A close up of a logo&#10;&#10;Description automatically generated">
             <a:extLst>
               <a:ext uri="{FF2B5EF4-FFF2-40B4-BE49-F238E27FC236}">
-                <a16:creationId xmlns:a16="http://schemas.microsoft.com/office/drawing/2014/main" id="{B86FED5E-F832-1A41-BCBD-7BD1561BE5E3}"/>
+                <a16:creationId xmlns:a16="http://schemas.microsoft.com/office/drawing/2014/main" id="{4965174E-E4CE-8A47-8032-F1695FA10584}"/>
               </a:ext>
             </a:extLst>
           </p:cNvPr>
@@ -13508,13 +13604,13 @@
           <p:nvPr/>
         </p:nvPicPr>
         <p:blipFill rotWithShape="1">
-          <a:blip r:embed="rId2"/>
+          <a:blip r:embed="rId3"/>
           <a:srcRect l="32828" t="82222" r="33258" b="5185"/>
           <a:stretch/>
         </p:blipFill>
         <p:spPr>
           <a:xfrm>
-            <a:off x="576981" y="2608160"/>
+            <a:off x="491921" y="3309908"/>
             <a:ext cx="8230194" cy="2361406"/>
           </a:xfrm>
           <a:prstGeom prst="rect">
@@ -13522,165 +13618,12 @@
           </a:prstGeom>
         </p:spPr>
       </p:pic>
-      <p:cxnSp>
-        <p:nvCxnSpPr>
-          <p:cNvPr id="26" name="Straight Connector 25">
+      <p:sp>
+        <p:nvSpPr>
+          <p:cNvPr id="45" name="Freeform 44">
             <a:extLst>
               <a:ext uri="{FF2B5EF4-FFF2-40B4-BE49-F238E27FC236}">
-                <a16:creationId xmlns:a16="http://schemas.microsoft.com/office/drawing/2014/main" id="{61AE68C3-CE5F-2543-BAE8-AA49321C27E1}"/>
-              </a:ext>
-            </a:extLst>
-          </p:cNvPr>
-          <p:cNvCxnSpPr>
-            <a:cxnSpLocks/>
-          </p:cNvCxnSpPr>
-          <p:nvPr/>
-        </p:nvCxnSpPr>
-        <p:spPr>
-          <a:xfrm>
-            <a:off x="7723629" y="641883"/>
-            <a:ext cx="466214" cy="858926"/>
-          </a:xfrm>
-          <a:prstGeom prst="line">
-            <a:avLst/>
-          </a:prstGeom>
-          <a:ln w="22225">
-            <a:solidFill>
-              <a:schemeClr val="tx1"/>
-            </a:solidFill>
-          </a:ln>
-        </p:spPr>
-        <p:style>
-          <a:lnRef idx="1">
-            <a:schemeClr val="accent1"/>
-          </a:lnRef>
-          <a:fillRef idx="0">
-            <a:schemeClr val="accent1"/>
-          </a:fillRef>
-          <a:effectRef idx="0">
-            <a:schemeClr val="accent1"/>
-          </a:effectRef>
-          <a:fontRef idx="minor">
-            <a:schemeClr val="tx1"/>
-          </a:fontRef>
-        </p:style>
-      </p:cxnSp>
-      <p:cxnSp>
-        <p:nvCxnSpPr>
-          <p:cNvPr id="15" name="Straight Connector 14">
-            <a:extLst>
-              <a:ext uri="{FF2B5EF4-FFF2-40B4-BE49-F238E27FC236}">
-                <a16:creationId xmlns:a16="http://schemas.microsoft.com/office/drawing/2014/main" id="{B666D61A-B61C-1A47-AD65-999C2D182A10}"/>
-              </a:ext>
-            </a:extLst>
-          </p:cNvPr>
-          <p:cNvCxnSpPr/>
-          <p:nvPr/>
-        </p:nvCxnSpPr>
-        <p:spPr>
-          <a:xfrm>
-            <a:off x="8476077" y="49533"/>
-            <a:ext cx="608575" cy="608576"/>
-          </a:xfrm>
-          <a:prstGeom prst="line">
-            <a:avLst/>
-          </a:prstGeom>
-          <a:ln>
-            <a:solidFill>
-              <a:schemeClr val="tx1"/>
-            </a:solidFill>
-            <a:prstDash val="dash"/>
-          </a:ln>
-        </p:spPr>
-        <p:style>
-          <a:lnRef idx="1">
-            <a:schemeClr val="accent1"/>
-          </a:lnRef>
-          <a:fillRef idx="0">
-            <a:schemeClr val="accent1"/>
-          </a:fillRef>
-          <a:effectRef idx="0">
-            <a:schemeClr val="accent1"/>
-          </a:effectRef>
-          <a:fontRef idx="minor">
-            <a:schemeClr val="tx1"/>
-          </a:fontRef>
-        </p:style>
-      </p:cxnSp>
-      <p:sp>
-        <p:nvSpPr>
-          <p:cNvPr id="16" name="TextBox 15">
-            <a:extLst>
-              <a:ext uri="{FF2B5EF4-FFF2-40B4-BE49-F238E27FC236}">
-                <a16:creationId xmlns:a16="http://schemas.microsoft.com/office/drawing/2014/main" id="{9E9AD2B1-1D47-BB4F-BBE4-1717862B1B22}"/>
-              </a:ext>
-            </a:extLst>
-          </p:cNvPr>
-          <p:cNvSpPr txBox="1"/>
-          <p:nvPr/>
-        </p:nvSpPr>
-        <p:spPr>
-          <a:xfrm rot="13228796" flipH="1">
-            <a:off x="8604305" y="164291"/>
-            <a:ext cx="380261" cy="369332"/>
-          </a:xfrm>
-          <a:prstGeom prst="rect">
-            <a:avLst/>
-          </a:prstGeom>
-          <a:noFill/>
-        </p:spPr>
-        <p:txBody>
-          <a:bodyPr wrap="square" rtlCol="0">
-            <a:spAutoFit/>
-          </a:bodyPr>
-          <a:lstStyle/>
-          <a:p>
-            <a:r>
-              <a:rPr lang="en-US">
-                <a:latin typeface="Arial" panose="020B0604020202020204" pitchFamily="34" charset="0"/>
-                <a:cs typeface="Arial" panose="020B0604020202020204" pitchFamily="34" charset="0"/>
-              </a:rPr>
-              <a:t>✄ </a:t>
-            </a:r>
-          </a:p>
-        </p:txBody>
-      </p:sp>
-      <p:pic>
-        <p:nvPicPr>
-          <p:cNvPr id="19" name="Picture 18" descr="A close up of a logo&#10;&#10;Description automatically generated">
-            <a:extLst>
-              <a:ext uri="{FF2B5EF4-FFF2-40B4-BE49-F238E27FC236}">
-                <a16:creationId xmlns:a16="http://schemas.microsoft.com/office/drawing/2014/main" id="{32FB77FC-C0E0-BF4C-87EA-4A6945B17166}"/>
-              </a:ext>
-            </a:extLst>
-          </p:cNvPr>
-          <p:cNvPicPr>
-            <a:picLocks noChangeAspect="1"/>
-          </p:cNvPicPr>
-          <p:nvPr/>
-        </p:nvPicPr>
-        <p:blipFill>
-          <a:blip r:embed="rId3"/>
-          <a:stretch>
-            <a:fillRect/>
-          </a:stretch>
-        </p:blipFill>
-        <p:spPr>
-          <a:xfrm>
-            <a:off x="6145618" y="454081"/>
-            <a:ext cx="2567213" cy="1135782"/>
-          </a:xfrm>
-          <a:prstGeom prst="rect">
-            <a:avLst/>
-          </a:prstGeom>
-        </p:spPr>
-      </p:pic>
-      <p:sp>
-        <p:nvSpPr>
-          <p:cNvPr id="18" name="Freeform 17">
-            <a:extLst>
-              <a:ext uri="{FF2B5EF4-FFF2-40B4-BE49-F238E27FC236}">
-                <a16:creationId xmlns:a16="http://schemas.microsoft.com/office/drawing/2014/main" id="{131463E8-CE01-E748-964E-E89EBB444C5A}"/>
+                <a16:creationId xmlns:a16="http://schemas.microsoft.com/office/drawing/2014/main" id="{B674EE8F-EC09-A14B-BF18-B8BF4594AAA6}"/>
               </a:ext>
             </a:extLst>
           </p:cNvPr>
@@ -13689,7 +13632,7 @@
         </p:nvSpPr>
         <p:spPr>
           <a:xfrm>
-            <a:off x="7695644" y="3710996"/>
+            <a:off x="7610584" y="4412745"/>
             <a:ext cx="367095" cy="512064"/>
           </a:xfrm>
           <a:custGeom>
@@ -13803,18 +13746,16 @@
           <a:lstStyle/>
           <a:p>
             <a:pPr algn="ctr"/>
-            <a:endParaRPr lang="en-US">
-              <a:latin typeface="Swell Braille" pitchFamily="49"/>
-            </a:endParaRPr>
-          </a:p>
-        </p:txBody>
-      </p:sp>
-      <p:sp>
-        <p:nvSpPr>
-          <p:cNvPr id="22" name="Freeform 21">
+            <a:endParaRPr lang="en-US"/>
+          </a:p>
+        </p:txBody>
+      </p:sp>
+      <p:sp>
+        <p:nvSpPr>
+          <p:cNvPr id="46" name="Freeform 45">
             <a:extLst>
               <a:ext uri="{FF2B5EF4-FFF2-40B4-BE49-F238E27FC236}">
-                <a16:creationId xmlns:a16="http://schemas.microsoft.com/office/drawing/2014/main" id="{F36FFEBF-5C6F-D04F-8EF2-661046CFDB21}"/>
+                <a16:creationId xmlns:a16="http://schemas.microsoft.com/office/drawing/2014/main" id="{AA312396-C269-454F-9C4F-152466E48307}"/>
               </a:ext>
             </a:extLst>
           </p:cNvPr>
@@ -13823,7 +13764,7 @@
         </p:nvSpPr>
         <p:spPr>
           <a:xfrm>
-            <a:off x="6189453" y="3912079"/>
+            <a:off x="6104393" y="4613828"/>
             <a:ext cx="1570007" cy="388189"/>
           </a:xfrm>
           <a:custGeom>
@@ -13913,18 +13854,16 @@
           <a:lstStyle/>
           <a:p>
             <a:pPr algn="ctr"/>
-            <a:endParaRPr lang="en-US">
-              <a:latin typeface="Swell Braille" pitchFamily="49"/>
-            </a:endParaRPr>
-          </a:p>
-        </p:txBody>
-      </p:sp>
-      <p:sp>
-        <p:nvSpPr>
-          <p:cNvPr id="23" name="Freeform 22">
+            <a:endParaRPr lang="en-US"/>
+          </a:p>
+        </p:txBody>
+      </p:sp>
+      <p:sp>
+        <p:nvSpPr>
+          <p:cNvPr id="47" name="Freeform 46">
             <a:extLst>
               <a:ext uri="{FF2B5EF4-FFF2-40B4-BE49-F238E27FC236}">
-                <a16:creationId xmlns:a16="http://schemas.microsoft.com/office/drawing/2014/main" id="{CF783C0A-2895-A14F-8848-9BC22D17E1E8}"/>
+                <a16:creationId xmlns:a16="http://schemas.microsoft.com/office/drawing/2014/main" id="{15155DD8-4DE9-3645-8CAE-913372DC18C7}"/>
               </a:ext>
             </a:extLst>
           </p:cNvPr>
@@ -13933,7 +13872,7 @@
         </p:nvSpPr>
         <p:spPr>
           <a:xfrm>
-            <a:off x="8005313" y="4183810"/>
+            <a:off x="7920253" y="4885559"/>
             <a:ext cx="245853" cy="192024"/>
           </a:xfrm>
           <a:custGeom>
@@ -14031,18 +13970,16 @@
           <a:lstStyle/>
           <a:p>
             <a:pPr algn="ctr"/>
-            <a:endParaRPr lang="en-US">
-              <a:latin typeface="Swell Braille" pitchFamily="49"/>
-            </a:endParaRPr>
-          </a:p>
-        </p:txBody>
-      </p:sp>
-      <p:sp>
-        <p:nvSpPr>
-          <p:cNvPr id="24" name="Freeform 23">
+            <a:endParaRPr lang="en-US"/>
+          </a:p>
+        </p:txBody>
+      </p:sp>
+      <p:sp>
+        <p:nvSpPr>
+          <p:cNvPr id="48" name="Freeform 47">
             <a:extLst>
               <a:ext uri="{FF2B5EF4-FFF2-40B4-BE49-F238E27FC236}">
-                <a16:creationId xmlns:a16="http://schemas.microsoft.com/office/drawing/2014/main" id="{C4437D86-113D-FA4B-99C6-5D54CB77D4CF}"/>
+                <a16:creationId xmlns:a16="http://schemas.microsoft.com/office/drawing/2014/main" id="{65F7E29C-76B0-2146-8556-DA5BD0A988C8}"/>
               </a:ext>
             </a:extLst>
           </p:cNvPr>
@@ -14051,7 +13988,7 @@
         </p:nvSpPr>
         <p:spPr>
           <a:xfrm>
-            <a:off x="7737894" y="3713672"/>
+            <a:off x="7652834" y="4415421"/>
             <a:ext cx="612476" cy="698739"/>
           </a:xfrm>
           <a:custGeom>
@@ -14153,18 +14090,16 @@
           <a:lstStyle/>
           <a:p>
             <a:pPr algn="ctr"/>
-            <a:endParaRPr lang="en-US">
-              <a:latin typeface="Swell Braille" pitchFamily="49"/>
-            </a:endParaRPr>
-          </a:p>
-        </p:txBody>
-      </p:sp>
-      <p:sp>
-        <p:nvSpPr>
-          <p:cNvPr id="25" name="Freeform 24">
+            <a:endParaRPr lang="en-US"/>
+          </a:p>
+        </p:txBody>
+      </p:sp>
+      <p:sp>
+        <p:nvSpPr>
+          <p:cNvPr id="49" name="Freeform 48">
             <a:extLst>
               <a:ext uri="{FF2B5EF4-FFF2-40B4-BE49-F238E27FC236}">
-                <a16:creationId xmlns:a16="http://schemas.microsoft.com/office/drawing/2014/main" id="{95363848-493C-D046-9AFA-DA9CD264C068}"/>
+                <a16:creationId xmlns:a16="http://schemas.microsoft.com/office/drawing/2014/main" id="{6638F891-EEB7-E34D-97B2-06931BF89F5E}"/>
               </a:ext>
             </a:extLst>
           </p:cNvPr>
@@ -14173,7 +14108,7 @@
         </p:nvSpPr>
         <p:spPr>
           <a:xfrm>
-            <a:off x="7983747" y="4188125"/>
+            <a:off x="7898687" y="4889874"/>
             <a:ext cx="60456" cy="38818"/>
           </a:xfrm>
           <a:custGeom>
@@ -14259,18 +14194,16 @@
           <a:lstStyle/>
           <a:p>
             <a:pPr algn="ctr"/>
-            <a:endParaRPr lang="en-US">
-              <a:latin typeface="Swell Braille" pitchFamily="49"/>
-            </a:endParaRPr>
-          </a:p>
-        </p:txBody>
-      </p:sp>
-      <p:sp>
-        <p:nvSpPr>
-          <p:cNvPr id="27" name="Freeform 26">
+            <a:endParaRPr lang="en-US"/>
+          </a:p>
+        </p:txBody>
+      </p:sp>
+      <p:sp>
+        <p:nvSpPr>
+          <p:cNvPr id="50" name="Freeform 49">
             <a:extLst>
               <a:ext uri="{FF2B5EF4-FFF2-40B4-BE49-F238E27FC236}">
-                <a16:creationId xmlns:a16="http://schemas.microsoft.com/office/drawing/2014/main" id="{A01E6447-0487-6F44-A6B0-9484D8B27781}"/>
+                <a16:creationId xmlns:a16="http://schemas.microsoft.com/office/drawing/2014/main" id="{9C487ED5-9DA6-1348-9DFF-05B21A148A16}"/>
               </a:ext>
             </a:extLst>
           </p:cNvPr>
@@ -14279,7 +14212,7 @@
         </p:nvSpPr>
         <p:spPr>
           <a:xfrm>
-            <a:off x="8199408" y="4326147"/>
+            <a:off x="8114348" y="5027896"/>
             <a:ext cx="159588" cy="189781"/>
           </a:xfrm>
           <a:custGeom>
@@ -14358,18 +14291,16 @@
           <a:lstStyle/>
           <a:p>
             <a:pPr algn="ctr"/>
-            <a:endParaRPr lang="en-US">
-              <a:latin typeface="Swell Braille" pitchFamily="49"/>
-            </a:endParaRPr>
-          </a:p>
-        </p:txBody>
-      </p:sp>
-      <p:sp>
-        <p:nvSpPr>
-          <p:cNvPr id="30" name="Rectangle 29">
+            <a:endParaRPr lang="en-US"/>
+          </a:p>
+        </p:txBody>
+      </p:sp>
+      <p:sp>
+        <p:nvSpPr>
+          <p:cNvPr id="51" name="Rectangle 50">
             <a:extLst>
               <a:ext uri="{FF2B5EF4-FFF2-40B4-BE49-F238E27FC236}">
-                <a16:creationId xmlns:a16="http://schemas.microsoft.com/office/drawing/2014/main" id="{020E6B07-566D-0F42-AEBB-874291AF6B76}"/>
+                <a16:creationId xmlns:a16="http://schemas.microsoft.com/office/drawing/2014/main" id="{12F7F0AA-E43E-CB43-9016-27C5763CEB34}"/>
               </a:ext>
             </a:extLst>
           </p:cNvPr>
@@ -14378,7 +14309,7 @@
         </p:nvSpPr>
         <p:spPr>
           <a:xfrm>
-            <a:off x="8380563" y="4170872"/>
+            <a:off x="8295503" y="4872621"/>
             <a:ext cx="45719" cy="418381"/>
           </a:xfrm>
           <a:prstGeom prst="rect">
@@ -14414,18 +14345,16 @@
           <a:lstStyle/>
           <a:p>
             <a:pPr algn="ctr"/>
-            <a:endParaRPr lang="en-US">
-              <a:latin typeface="Swell Braille" pitchFamily="49"/>
-            </a:endParaRPr>
+            <a:endParaRPr lang="en-US"/>
           </a:p>
         </p:txBody>
       </p:sp>
       <p:cxnSp>
         <p:nvCxnSpPr>
-          <p:cNvPr id="34" name="Straight Connector 33">
+          <p:cNvPr id="52" name="Straight Connector 51">
             <a:extLst>
               <a:ext uri="{FF2B5EF4-FFF2-40B4-BE49-F238E27FC236}">
-                <a16:creationId xmlns:a16="http://schemas.microsoft.com/office/drawing/2014/main" id="{A3A7BBC0-75BB-B24C-8890-E85407DD5D06}"/>
+                <a16:creationId xmlns:a16="http://schemas.microsoft.com/office/drawing/2014/main" id="{B3BD836D-4ECD-D140-A4DB-25A8F085D9A3}"/>
               </a:ext>
             </a:extLst>
           </p:cNvPr>
@@ -14436,7 +14365,7 @@
         </p:nvCxnSpPr>
         <p:spPr>
           <a:xfrm flipH="1">
-            <a:off x="8363310" y="4380063"/>
+            <a:off x="8278250" y="5081812"/>
             <a:ext cx="4314" cy="291141"/>
           </a:xfrm>
           <a:prstGeom prst="line">

--- a/assets/tactile_image_files/0081-Kentucky_geologic_cross-section_C-D/0081-Kentucky_geologic_cross-section_C-D.pptx
+++ b/assets/tactile_image_files/0081-Kentucky_geologic_cross-section_C-D/0081-Kentucky_geologic_cross-section_C-D.pptx
@@ -255,7 +255,7 @@
           <a:p>
             <a:fld id="{E796F801-3BB8-A247-923B-F07F1B58D38A}" type="datetimeFigureOut">
               <a:rPr lang="en-US" smtClean="0"/>
-              <a:t>1/9/21</a:t>
+              <a:t>7/13/21</a:t>
             </a:fld>
             <a:endParaRPr lang="en-US"/>
           </a:p>
@@ -435,7 +435,7 @@
           <a:p>
             <a:fld id="{E796F801-3BB8-A247-923B-F07F1B58D38A}" type="datetimeFigureOut">
               <a:rPr lang="en-US" smtClean="0"/>
-              <a:t>1/9/21</a:t>
+              <a:t>7/13/21</a:t>
             </a:fld>
             <a:endParaRPr lang="en-US"/>
           </a:p>
@@ -605,7 +605,7 @@
           <a:p>
             <a:fld id="{E796F801-3BB8-A247-923B-F07F1B58D38A}" type="datetimeFigureOut">
               <a:rPr lang="en-US" smtClean="0"/>
-              <a:t>1/9/21</a:t>
+              <a:t>7/13/21</a:t>
             </a:fld>
             <a:endParaRPr lang="en-US"/>
           </a:p>
@@ -849,7 +849,7 @@
           <a:p>
             <a:fld id="{E796F801-3BB8-A247-923B-F07F1B58D38A}" type="datetimeFigureOut">
               <a:rPr lang="en-US" smtClean="0"/>
-              <a:t>1/9/21</a:t>
+              <a:t>7/13/21</a:t>
             </a:fld>
             <a:endParaRPr lang="en-US"/>
           </a:p>
@@ -1081,7 +1081,7 @@
           <a:p>
             <a:fld id="{E796F801-3BB8-A247-923B-F07F1B58D38A}" type="datetimeFigureOut">
               <a:rPr lang="en-US" smtClean="0"/>
-              <a:t>1/9/21</a:t>
+              <a:t>7/13/21</a:t>
             </a:fld>
             <a:endParaRPr lang="en-US"/>
           </a:p>
@@ -1448,7 +1448,7 @@
           <a:p>
             <a:fld id="{E796F801-3BB8-A247-923B-F07F1B58D38A}" type="datetimeFigureOut">
               <a:rPr lang="en-US" smtClean="0"/>
-              <a:t>1/9/21</a:t>
+              <a:t>7/13/21</a:t>
             </a:fld>
             <a:endParaRPr lang="en-US"/>
           </a:p>
@@ -1566,7 +1566,7 @@
           <a:p>
             <a:fld id="{E796F801-3BB8-A247-923B-F07F1B58D38A}" type="datetimeFigureOut">
               <a:rPr lang="en-US" smtClean="0"/>
-              <a:t>1/9/21</a:t>
+              <a:t>7/13/21</a:t>
             </a:fld>
             <a:endParaRPr lang="en-US"/>
           </a:p>
@@ -1661,7 +1661,7 @@
           <a:p>
             <a:fld id="{E796F801-3BB8-A247-923B-F07F1B58D38A}" type="datetimeFigureOut">
               <a:rPr lang="en-US" smtClean="0"/>
-              <a:t>1/9/21</a:t>
+              <a:t>7/13/21</a:t>
             </a:fld>
             <a:endParaRPr lang="en-US"/>
           </a:p>
@@ -1938,7 +1938,7 @@
           <a:p>
             <a:fld id="{E796F801-3BB8-A247-923B-F07F1B58D38A}" type="datetimeFigureOut">
               <a:rPr lang="en-US" smtClean="0"/>
-              <a:t>1/9/21</a:t>
+              <a:t>7/13/21</a:t>
             </a:fld>
             <a:endParaRPr lang="en-US"/>
           </a:p>
@@ -2195,7 +2195,7 @@
           <a:p>
             <a:fld id="{E796F801-3BB8-A247-923B-F07F1B58D38A}" type="datetimeFigureOut">
               <a:rPr lang="en-US" smtClean="0"/>
-              <a:t>1/9/21</a:t>
+              <a:t>7/13/21</a:t>
             </a:fld>
             <a:endParaRPr lang="en-US"/>
           </a:p>
@@ -2408,7 +2408,7 @@
           <a:p>
             <a:fld id="{E796F801-3BB8-A247-923B-F07F1B58D38A}" type="datetimeFigureOut">
               <a:rPr lang="en-US" smtClean="0"/>
-              <a:t>1/9/21</a:t>
+              <a:t>7/13/21</a:t>
             </a:fld>
             <a:endParaRPr lang="en-US"/>
           </a:p>
@@ -6304,7 +6304,7 @@
         </p:nvSpPr>
         <p:spPr>
           <a:xfrm>
-            <a:off x="5412284" y="481444"/>
+            <a:off x="580225" y="394457"/>
             <a:ext cx="954107" cy="369332"/>
           </a:xfrm>
           <a:prstGeom prst="rect">
@@ -6319,7 +6319,7 @@
           <a:lstStyle/>
           <a:p>
             <a:r>
-              <a:rPr lang="en-US">
+              <a:rPr lang="en-US" dirty="0">
                 <a:latin typeface="Arial" panose="020B0604020202020204" pitchFamily="34" charset="0"/>
                 <a:cs typeface="Arial" panose="020B0604020202020204" pitchFamily="34" charset="0"/>
               </a:rPr>
@@ -6342,8 +6342,8 @@
         </p:nvSpPr>
         <p:spPr>
           <a:xfrm>
-            <a:off x="701186" y="468951"/>
-            <a:ext cx="914400" cy="605790"/>
+            <a:off x="701186" y="995667"/>
+            <a:ext cx="914400" cy="457200"/>
           </a:xfrm>
           <a:prstGeom prst="rect">
             <a:avLst/>
@@ -6401,8 +6401,8 @@
         </p:nvSpPr>
         <p:spPr>
           <a:xfrm>
-            <a:off x="701186" y="1239206"/>
-            <a:ext cx="914400" cy="605790"/>
+            <a:off x="701186" y="1696406"/>
+            <a:ext cx="914400" cy="457200"/>
           </a:xfrm>
           <a:prstGeom prst="rect">
             <a:avLst/>
@@ -6460,8 +6460,8 @@
         </p:nvSpPr>
         <p:spPr>
           <a:xfrm>
-            <a:off x="701186" y="2009461"/>
-            <a:ext cx="914400" cy="605790"/>
+            <a:off x="686566" y="2396101"/>
+            <a:ext cx="914400" cy="457200"/>
           </a:xfrm>
           <a:prstGeom prst="rect">
             <a:avLst/>
@@ -6519,8 +6519,8 @@
         </p:nvSpPr>
         <p:spPr>
           <a:xfrm>
-            <a:off x="701186" y="2779716"/>
-            <a:ext cx="914400" cy="605790"/>
+            <a:off x="695660" y="3091209"/>
+            <a:ext cx="914400" cy="457200"/>
           </a:xfrm>
           <a:prstGeom prst="rect">
             <a:avLst/>
@@ -6573,8 +6573,8 @@
         </p:nvSpPr>
         <p:spPr>
           <a:xfrm>
-            <a:off x="701186" y="3549971"/>
-            <a:ext cx="914400" cy="605790"/>
+            <a:off x="686566" y="3786317"/>
+            <a:ext cx="914400" cy="457200"/>
           </a:xfrm>
           <a:prstGeom prst="rect">
             <a:avLst/>
@@ -6627,8 +6627,8 @@
         </p:nvSpPr>
         <p:spPr>
           <a:xfrm>
-            <a:off x="701186" y="4320226"/>
-            <a:ext cx="914400" cy="605790"/>
+            <a:off x="695660" y="4481425"/>
+            <a:ext cx="914400" cy="457200"/>
           </a:xfrm>
           <a:prstGeom prst="rect">
             <a:avLst/>
@@ -6686,7 +6686,7 @@
         </p:nvSpPr>
         <p:spPr>
           <a:xfrm>
-            <a:off x="1759442" y="631386"/>
+            <a:off x="1759442" y="1070378"/>
             <a:ext cx="1835118" cy="307777"/>
           </a:xfrm>
           <a:prstGeom prst="rect">
@@ -6701,7 +6701,7 @@
           <a:lstStyle/>
           <a:p>
             <a:r>
-              <a:rPr lang="en-US" sz="1400">
+              <a:rPr lang="en-US" sz="1400" dirty="0">
                 <a:latin typeface="Arial" panose="020B0604020202020204" pitchFamily="34" charset="0"/>
                 <a:cs typeface="Arial" panose="020B0604020202020204" pitchFamily="34" charset="0"/>
               </a:rPr>
@@ -6724,7 +6724,7 @@
         </p:nvSpPr>
         <p:spPr>
           <a:xfrm>
-            <a:off x="1759442" y="1407751"/>
+            <a:off x="1759442" y="1770779"/>
             <a:ext cx="1350050" cy="307777"/>
           </a:xfrm>
           <a:prstGeom prst="rect">
@@ -6739,7 +6739,7 @@
           <a:lstStyle/>
           <a:p>
             <a:r>
-              <a:rPr lang="en-US" sz="1400">
+              <a:rPr lang="en-US" sz="1400" dirty="0">
                 <a:latin typeface="Arial" panose="020B0604020202020204" pitchFamily="34" charset="0"/>
                 <a:cs typeface="Arial" panose="020B0604020202020204" pitchFamily="34" charset="0"/>
               </a:rPr>
@@ -6762,7 +6762,7 @@
         </p:nvSpPr>
         <p:spPr>
           <a:xfrm>
-            <a:off x="1771016" y="2184116"/>
+            <a:off x="1771016" y="2470548"/>
             <a:ext cx="1416332" cy="307777"/>
           </a:xfrm>
           <a:prstGeom prst="rect">
@@ -6777,7 +6777,7 @@
           <a:lstStyle/>
           <a:p>
             <a:r>
-              <a:rPr lang="en-US" sz="1400">
+              <a:rPr lang="en-US" sz="1400" dirty="0">
                 <a:latin typeface="Arial" panose="020B0604020202020204" pitchFamily="34" charset="0"/>
                 <a:cs typeface="Arial" panose="020B0604020202020204" pitchFamily="34" charset="0"/>
               </a:rPr>
@@ -6800,7 +6800,7 @@
         </p:nvSpPr>
         <p:spPr>
           <a:xfrm>
-            <a:off x="1759442" y="2960481"/>
+            <a:off x="1771016" y="3165722"/>
             <a:ext cx="941283" cy="307777"/>
           </a:xfrm>
           <a:prstGeom prst="rect">
@@ -6815,7 +6815,7 @@
           <a:lstStyle/>
           <a:p>
             <a:r>
-              <a:rPr lang="en-US" sz="1400">
+              <a:rPr lang="en-US" sz="1400" dirty="0">
                 <a:latin typeface="Arial" panose="020B0604020202020204" pitchFamily="34" charset="0"/>
                 <a:cs typeface="Arial" panose="020B0604020202020204" pitchFamily="34" charset="0"/>
               </a:rPr>
@@ -6838,7 +6838,7 @@
         </p:nvSpPr>
         <p:spPr>
           <a:xfrm>
-            <a:off x="1759442" y="3736846"/>
+            <a:off x="1759442" y="3860896"/>
             <a:ext cx="782587" cy="307777"/>
           </a:xfrm>
           <a:prstGeom prst="rect">
@@ -6853,7 +6853,7 @@
           <a:lstStyle/>
           <a:p>
             <a:r>
-              <a:rPr lang="en-US" sz="1400">
+              <a:rPr lang="en-US" sz="1400" dirty="0">
                 <a:latin typeface="Arial" panose="020B0604020202020204" pitchFamily="34" charset="0"/>
                 <a:cs typeface="Arial" panose="020B0604020202020204" pitchFamily="34" charset="0"/>
               </a:rPr>
@@ -6876,7 +6876,7 @@
         </p:nvSpPr>
         <p:spPr>
           <a:xfrm>
-            <a:off x="1759442" y="4513210"/>
+            <a:off x="1759442" y="4556070"/>
             <a:ext cx="1040670" cy="307777"/>
           </a:xfrm>
           <a:prstGeom prst="rect">
@@ -6891,7 +6891,7 @@
           <a:lstStyle/>
           <a:p>
             <a:r>
-              <a:rPr lang="en-US" sz="1400">
+              <a:rPr lang="en-US" sz="1400" dirty="0">
                 <a:latin typeface="Arial" panose="020B0604020202020204" pitchFamily="34" charset="0"/>
                 <a:cs typeface="Arial" panose="020B0604020202020204" pitchFamily="34" charset="0"/>
               </a:rPr>
@@ -6914,7 +6914,7 @@
         </p:nvSpPr>
         <p:spPr>
           <a:xfrm>
-            <a:off x="1783368" y="5274836"/>
+            <a:off x="1783368" y="5251244"/>
             <a:ext cx="960519" cy="307777"/>
           </a:xfrm>
           <a:prstGeom prst="rect">
@@ -6929,7 +6929,7 @@
           <a:lstStyle/>
           <a:p>
             <a:r>
-              <a:rPr lang="en-US" sz="1400">
+              <a:rPr lang="en-US" sz="1400" dirty="0">
                 <a:latin typeface="Arial" panose="020B0604020202020204" pitchFamily="34" charset="0"/>
                 <a:cs typeface="Arial" panose="020B0604020202020204" pitchFamily="34" charset="0"/>
               </a:rPr>
@@ -6952,7 +6952,7 @@
         </p:nvSpPr>
         <p:spPr>
           <a:xfrm>
-            <a:off x="1783368" y="6051200"/>
+            <a:off x="1783368" y="5946352"/>
             <a:ext cx="1199367" cy="307777"/>
           </a:xfrm>
           <a:prstGeom prst="rect">
@@ -6967,7 +6967,7 @@
           <a:lstStyle/>
           <a:p>
             <a:r>
-              <a:rPr lang="en-US" sz="1400">
+              <a:rPr lang="en-US" sz="1400" dirty="0">
                 <a:latin typeface="Arial" panose="020B0604020202020204" pitchFamily="34" charset="0"/>
                 <a:cs typeface="Arial" panose="020B0604020202020204" pitchFamily="34" charset="0"/>
               </a:rPr>
@@ -6991,7 +6991,7 @@
         <p:spPr>
           <a:xfrm>
             <a:off x="686566" y="5871641"/>
-            <a:ext cx="914400" cy="605790"/>
+            <a:ext cx="914400" cy="457200"/>
           </a:xfrm>
           <a:prstGeom prst="rect">
             <a:avLst/>
@@ -7049,8 +7049,8 @@
         </p:nvSpPr>
         <p:spPr>
           <a:xfrm>
-            <a:off x="696506" y="5101331"/>
-            <a:ext cx="914400" cy="605790"/>
+            <a:off x="686566" y="5176533"/>
+            <a:ext cx="914400" cy="457200"/>
           </a:xfrm>
           <a:prstGeom prst="rect">
             <a:avLst/>
@@ -9177,8 +9177,8 @@
         </p:nvSpPr>
         <p:spPr>
           <a:xfrm>
-            <a:off x="7085212" y="1114571"/>
-            <a:ext cx="649537" cy="461665"/>
+            <a:off x="7085212" y="1089454"/>
+            <a:ext cx="853119" cy="461665"/>
           </a:xfrm>
           <a:prstGeom prst="rect">
             <a:avLst/>
@@ -9192,10 +9192,10 @@
           <a:lstStyle/>
           <a:p>
             <a:r>
-              <a:rPr lang="en-US" sz="2400">
+              <a:rPr lang="en-US" sz="2400" dirty="0">
                 <a:latin typeface="Swell Braille" pitchFamily="49"/>
               </a:rPr>
-              <a:t>⠠⠉</a:t>
+              <a:t>;⠠⠉</a:t>
             </a:r>
           </a:p>
         </p:txBody>
@@ -9324,8 +9324,8 @@
         </p:nvSpPr>
         <p:spPr>
           <a:xfrm>
-            <a:off x="0" y="106326"/>
-            <a:ext cx="8206093" cy="461665"/>
+            <a:off x="2524137" y="187878"/>
+            <a:ext cx="4641014" cy="830997"/>
           </a:xfrm>
           <a:prstGeom prst="rect">
             <a:avLst/>
@@ -9339,11 +9339,21 @@
           <a:lstStyle/>
           <a:p>
             <a:r>
-              <a:rPr lang="en-US" sz="2400">
+              <a:rPr lang="en-US" sz="2400" dirty="0">
                 <a:latin typeface="Swell Braille" pitchFamily="49"/>
                 <a:cs typeface="Arial" panose="020B0604020202020204" pitchFamily="34" charset="0"/>
               </a:rPr>
-              <a:t>⠠⠅⠢⠞⠥⠉⠅⠽⠀⠠⠛⠑⠕⠇⠕⠛⠊⠉⠀⠠⠉⠗⠕⠎⠎⠤⠎⠑⠉⠰⠝⠀⠠⠉⠤⠙</a:t>
+              <a:t> ⠠⠅⠢⠞⠥⠉⠅⠽⠀⠠⠛⠑⠕⠇⠕⠛⠊⠉⠀</a:t>
+            </a:r>
+          </a:p>
+          <a:p>
+            <a:pPr algn="ctr"/>
+            <a:r>
+              <a:rPr lang="en-US" sz="2400" dirty="0">
+                <a:latin typeface="Swell Braille" pitchFamily="49"/>
+                <a:cs typeface="Arial" panose="020B0604020202020204" pitchFamily="34" charset="0"/>
+              </a:rPr>
+              <a:t>⠠⠉⠗⠕⠎⠎⠤⠎⠑⠉⠰⠝⠀;⠠⠉⠤;,⠙</a:t>
             </a:r>
           </a:p>
         </p:txBody>
@@ -9362,8 +9372,8 @@
         </p:nvSpPr>
         <p:spPr>
           <a:xfrm>
-            <a:off x="7908158" y="2453194"/>
-            <a:ext cx="649537" cy="461665"/>
+            <a:off x="7748339" y="2376078"/>
+            <a:ext cx="853119" cy="461665"/>
           </a:xfrm>
           <a:prstGeom prst="rect">
             <a:avLst/>
@@ -9377,10 +9387,10 @@
           <a:lstStyle/>
           <a:p>
             <a:r>
-              <a:rPr lang="en-US" sz="2400">
+              <a:rPr lang="en-US" sz="2400" dirty="0">
                 <a:latin typeface="Swell Braille" pitchFamily="49"/>
               </a:rPr>
-              <a:t>⠠⠙</a:t>
+              <a:t>;⠠⠙</a:t>
             </a:r>
           </a:p>
         </p:txBody>
@@ -9400,7 +9410,7 @@
         <p:spPr>
           <a:xfrm>
             <a:off x="7951921" y="3433084"/>
-            <a:ext cx="649537" cy="461665"/>
+            <a:ext cx="853119" cy="461665"/>
           </a:xfrm>
           <a:prstGeom prst="rect">
             <a:avLst/>
@@ -9414,10 +9424,10 @@
           <a:lstStyle/>
           <a:p>
             <a:r>
-              <a:rPr lang="en-US" sz="2400">
+              <a:rPr lang="en-US" sz="2400" dirty="0">
                 <a:latin typeface="Swell Braille" pitchFamily="49"/>
               </a:rPr>
-              <a:t>⠠⠙</a:t>
+              <a:t>;⠠⠙</a:t>
             </a:r>
           </a:p>
         </p:txBody>
@@ -9489,7 +9499,7 @@
           <a:lstStyle/>
           <a:p>
             <a:r>
-              <a:rPr lang="en-US" sz="2400">
+              <a:rPr lang="en-US" sz="2400" dirty="0">
                 <a:latin typeface="Swell Braille" pitchFamily="49"/>
                 <a:cs typeface="Arial" panose="020B0604020202020204" pitchFamily="34" charset="0"/>
               </a:rPr>
@@ -9498,7 +9508,7 @@
           </a:p>
           <a:p>
             <a:r>
-              <a:rPr lang="en-US" sz="2400">
+              <a:rPr lang="en-US" sz="2400" dirty="0">
                 <a:latin typeface="Swell Braille" pitchFamily="49"/>
                 <a:cs typeface="Arial" panose="020B0604020202020204" pitchFamily="34" charset="0"/>
               </a:rPr>
@@ -10310,7 +10320,7 @@
         <p:spPr>
           <a:xfrm>
             <a:off x="598966" y="3406426"/>
-            <a:ext cx="649537" cy="461665"/>
+            <a:ext cx="853119" cy="461665"/>
           </a:xfrm>
           <a:prstGeom prst="rect">
             <a:avLst/>
@@ -10324,10 +10334,10 @@
           <a:lstStyle/>
           <a:p>
             <a:r>
-              <a:rPr lang="en-US" sz="2400">
+              <a:rPr lang="en-US" sz="2400" dirty="0">
                 <a:latin typeface="Swell Braille" pitchFamily="49"/>
               </a:rPr>
-              <a:t>⠠⠉</a:t>
+              <a:t>;⠠⠉</a:t>
             </a:r>
           </a:p>
         </p:txBody>
@@ -10664,8 +10674,8 @@
         </p:nvSpPr>
         <p:spPr>
           <a:xfrm>
-            <a:off x="701186" y="468951"/>
-            <a:ext cx="914400" cy="605790"/>
+            <a:off x="686566" y="851249"/>
+            <a:ext cx="914400" cy="457200"/>
           </a:xfrm>
           <a:prstGeom prst="rect">
             <a:avLst/>
@@ -10723,8 +10733,8 @@
         </p:nvSpPr>
         <p:spPr>
           <a:xfrm>
-            <a:off x="701186" y="1239206"/>
-            <a:ext cx="914400" cy="605790"/>
+            <a:off x="701186" y="1564879"/>
+            <a:ext cx="914400" cy="457200"/>
           </a:xfrm>
           <a:prstGeom prst="rect">
             <a:avLst/>
@@ -10782,8 +10792,8 @@
         </p:nvSpPr>
         <p:spPr>
           <a:xfrm>
-            <a:off x="701186" y="2009461"/>
-            <a:ext cx="914400" cy="605790"/>
+            <a:off x="686566" y="2278509"/>
+            <a:ext cx="914400" cy="457200"/>
           </a:xfrm>
           <a:prstGeom prst="rect">
             <a:avLst/>
@@ -10841,8 +10851,8 @@
         </p:nvSpPr>
         <p:spPr>
           <a:xfrm>
-            <a:off x="701186" y="2779716"/>
-            <a:ext cx="914400" cy="605790"/>
+            <a:off x="686566" y="3000522"/>
+            <a:ext cx="914400" cy="457200"/>
           </a:xfrm>
           <a:prstGeom prst="rect">
             <a:avLst/>
@@ -10895,8 +10905,8 @@
         </p:nvSpPr>
         <p:spPr>
           <a:xfrm>
-            <a:off x="701186" y="3549971"/>
-            <a:ext cx="914400" cy="605790"/>
+            <a:off x="701186" y="3718427"/>
+            <a:ext cx="914400" cy="457200"/>
           </a:xfrm>
           <a:prstGeom prst="rect">
             <a:avLst/>
@@ -10949,8 +10959,8 @@
         </p:nvSpPr>
         <p:spPr>
           <a:xfrm>
-            <a:off x="701186" y="4320226"/>
-            <a:ext cx="914400" cy="605790"/>
+            <a:off x="701186" y="4436165"/>
+            <a:ext cx="914400" cy="457200"/>
           </a:xfrm>
           <a:prstGeom prst="rect">
             <a:avLst/>
@@ -11008,8 +11018,8 @@
         </p:nvSpPr>
         <p:spPr>
           <a:xfrm>
-            <a:off x="1754845" y="308996"/>
-            <a:ext cx="2635658" cy="830997"/>
+            <a:off x="1715088" y="846784"/>
+            <a:ext cx="5140905" cy="461665"/>
           </a:xfrm>
           <a:prstGeom prst="rect">
             <a:avLst/>
@@ -11017,26 +11027,17 @@
           <a:noFill/>
         </p:spPr>
         <p:txBody>
-          <a:bodyPr wrap="none" rtlCol="0">
+          <a:bodyPr wrap="square" rtlCol="0">
             <a:spAutoFit/>
           </a:bodyPr>
           <a:lstStyle/>
           <a:p>
             <a:r>
-              <a:rPr lang="en-US" sz="2400">
+              <a:rPr lang="en-US" sz="2400" dirty="0">
                 <a:latin typeface="Swell Braille" pitchFamily="49"/>
                 <a:cs typeface="Arial" panose="020B0604020202020204" pitchFamily="34" charset="0"/>
               </a:rPr>
-              <a:t>⠠⠞⠻⠞⠊⠜⠽⠀⠸⠌⠀</a:t>
-            </a:r>
-          </a:p>
-          <a:p>
-            <a:r>
-              <a:rPr lang="en-US" sz="2400">
-                <a:latin typeface="Swell Braille" pitchFamily="49"/>
-                <a:cs typeface="Arial" panose="020B0604020202020204" pitchFamily="34" charset="0"/>
-              </a:rPr>
-              <a:t>⠠⠉⠗⠑⠞⠁⠉⠑⠳⠎</a:t>
+              <a:t>⠠⠞⠻⠞⠊⠜⠽⠀⠸⠌ ⠠⠉⠗⠑⠞⠁⠉⠑⠳⠎</a:t>
             </a:r>
           </a:p>
         </p:txBody>
@@ -11055,7 +11056,7 @@
         </p:nvSpPr>
         <p:spPr>
           <a:xfrm>
-            <a:off x="1715088" y="1280509"/>
+            <a:off x="1713929" y="1566454"/>
             <a:ext cx="3081293" cy="461665"/>
           </a:xfrm>
           <a:prstGeom prst="rect">
@@ -11070,7 +11071,7 @@
           <a:lstStyle/>
           <a:p>
             <a:r>
-              <a:rPr lang="en-US" sz="2400">
+              <a:rPr lang="en-US" sz="2400" dirty="0">
                 <a:latin typeface="Swell Braille" pitchFamily="49"/>
                 <a:cs typeface="Arial" panose="020B0604020202020204" pitchFamily="34" charset="0"/>
               </a:rPr>
@@ -11093,7 +11094,7 @@
         </p:nvSpPr>
         <p:spPr>
           <a:xfrm>
-            <a:off x="1715088" y="2045444"/>
+            <a:off x="1713929" y="2280887"/>
             <a:ext cx="3438930" cy="461665"/>
           </a:xfrm>
           <a:prstGeom prst="rect">
@@ -11108,7 +11109,7 @@
           <a:lstStyle/>
           <a:p>
             <a:r>
-              <a:rPr lang="en-US" sz="2400">
+              <a:rPr lang="en-US" sz="2400" dirty="0">
                 <a:latin typeface="Swell Braille" pitchFamily="49"/>
                 <a:cs typeface="Arial" panose="020B0604020202020204" pitchFamily="34" charset="0"/>
               </a:rPr>
@@ -11131,7 +11132,7 @@
         </p:nvSpPr>
         <p:spPr>
           <a:xfrm>
-            <a:off x="1715088" y="2810379"/>
+            <a:off x="1715088" y="3012416"/>
             <a:ext cx="2276585" cy="461665"/>
           </a:xfrm>
           <a:prstGeom prst="rect">
@@ -11146,7 +11147,7 @@
           <a:lstStyle/>
           <a:p>
             <a:r>
-              <a:rPr lang="en-US" sz="2400">
+              <a:rPr lang="en-US" sz="2400" dirty="0">
                 <a:latin typeface="Swell Braille" pitchFamily="49"/>
                 <a:cs typeface="Arial" panose="020B0604020202020204" pitchFamily="34" charset="0"/>
               </a:rPr>
@@ -11169,7 +11170,7 @@
         </p:nvSpPr>
         <p:spPr>
           <a:xfrm>
-            <a:off x="1715088" y="3575314"/>
+            <a:off x="1713929" y="3718427"/>
             <a:ext cx="2276585" cy="461665"/>
           </a:xfrm>
           <a:prstGeom prst="rect">
@@ -11184,7 +11185,7 @@
           <a:lstStyle/>
           <a:p>
             <a:r>
-              <a:rPr lang="en-US" sz="2400">
+              <a:rPr lang="en-US" sz="2400" dirty="0">
                 <a:latin typeface="Swell Braille" pitchFamily="49"/>
                 <a:cs typeface="Arial" panose="020B0604020202020204" pitchFamily="34" charset="0"/>
               </a:rPr>
@@ -11207,7 +11208,7 @@
         </p:nvSpPr>
         <p:spPr>
           <a:xfrm>
-            <a:off x="1715088" y="4340248"/>
+            <a:off x="1713929" y="4441283"/>
             <a:ext cx="2635658" cy="461665"/>
           </a:xfrm>
           <a:prstGeom prst="rect">
@@ -11222,7 +11223,7 @@
           <a:lstStyle/>
           <a:p>
             <a:r>
-              <a:rPr lang="en-US" sz="2400">
+              <a:rPr lang="en-US" sz="2400" dirty="0">
                 <a:latin typeface="Swell Braille" pitchFamily="49"/>
                 <a:cs typeface="Arial" panose="020B0604020202020204" pitchFamily="34" charset="0"/>
               </a:rPr>
@@ -11245,7 +11246,7 @@
         </p:nvSpPr>
         <p:spPr>
           <a:xfrm>
-            <a:off x="1763550" y="5141634"/>
+            <a:off x="1715088" y="5153903"/>
             <a:ext cx="2276585" cy="461665"/>
           </a:xfrm>
           <a:prstGeom prst="rect">
@@ -11259,7 +11260,7 @@
           <a:lstStyle/>
           <a:p>
             <a:r>
-              <a:rPr lang="en-US" sz="2400">
+              <a:rPr lang="en-US" sz="2400" dirty="0">
                 <a:latin typeface="Swell Braille" pitchFamily="49"/>
               </a:rPr>
               <a:t>⠠⠉⠁⠍⠃⠗⠊⠁⠝</a:t>
@@ -11281,7 +11282,7 @@
         </p:nvSpPr>
         <p:spPr>
           <a:xfrm>
-            <a:off x="1713929" y="5895396"/>
+            <a:off x="1713929" y="5866523"/>
             <a:ext cx="2858475" cy="461665"/>
           </a:xfrm>
           <a:prstGeom prst="rect">
@@ -11295,7 +11296,7 @@
           <a:lstStyle/>
           <a:p>
             <a:r>
-              <a:rPr lang="en-US" sz="2400">
+              <a:rPr lang="en-US" sz="2400" dirty="0">
                 <a:latin typeface="Swell Braille" pitchFamily="49"/>
               </a:rPr>
               <a:t>⠠⠏⠗⠑⠉⠁⠍⠃⠗⠊⠁⠝</a:t>
@@ -11317,7 +11318,7 @@
         </p:nvSpPr>
         <p:spPr>
           <a:xfrm>
-            <a:off x="5789095" y="292412"/>
+            <a:off x="512420" y="250187"/>
             <a:ext cx="1579278" cy="461665"/>
           </a:xfrm>
           <a:prstGeom prst="rect">
@@ -11331,7 +11332,7 @@
           <a:lstStyle/>
           <a:p>
             <a:r>
-              <a:rPr lang="en-US" sz="2400">
+              <a:rPr lang="en-US" sz="2400" dirty="0">
                 <a:latin typeface="Swell Braille" pitchFamily="49"/>
               </a:rPr>
               <a:t>⠠⠇⠑⠛⠢⠙</a:t>
@@ -11354,7 +11355,7 @@
         <p:spPr>
           <a:xfrm>
             <a:off x="686566" y="5871641"/>
-            <a:ext cx="914400" cy="605790"/>
+            <a:ext cx="914400" cy="457200"/>
           </a:xfrm>
           <a:prstGeom prst="rect">
             <a:avLst/>
@@ -11412,8 +11413,8 @@
         </p:nvSpPr>
         <p:spPr>
           <a:xfrm>
-            <a:off x="696506" y="5101331"/>
-            <a:ext cx="914400" cy="605790"/>
+            <a:off x="686566" y="5153903"/>
+            <a:ext cx="914400" cy="457200"/>
           </a:xfrm>
           <a:prstGeom prst="rect">
             <a:avLst/>
